--- a/plots/Manuscript_Draft/univariate_results/univariate_results.pptx
+++ b/plots/Manuscript_Draft/univariate_results/univariate_results.pptx
@@ -139,7 +139,7 @@
       <inkml:brushProperty name="color" value="#FB6601"/>
     </inkml:brush>
   </inkml:definitions>
-  <inkml:trace contextRef="#ctx0" brushRef="#br0">0 365 24575,'0'-3'0,"0"-1"0,0 1 0,3 0 0,-3 0 0,2 0 0,-2-1 0,2 1 0,3 0 0,-4 2 0,2-3 0,-3 1 0,1 1 0,1-1 0,2-1 0,-4 4 0,6-4 0,-6 0 0,2 2 0,-2 0 0,0-2 0,0 2 0,2 0 0,-2-1 0,5-1 0,-5 2 0,0-1 0,0 0 0,0 0 0,1 0 0,-1-1 0,4 0 0,-2 2 0,0-1 0,-2 0 0,0 2 0,0-3 0,0 1 0,0 1 0,1-1 0,2-4 0,1 4 0,0-5 0,-4 6 0,5-6 0,-5 6 0,4-5 0,-4 4 0,3-2 0,-2 2 0,-1-2 0,0 2 0,0-2 0,0 1 0,2-2 0,0 4 0,2-3 0,-4 1 0,5-1 0,-5 2 0,3 0 0,-3-1 0,0 1 0,0 2 0,0-4 0,0 1 0,0 2 0,2-4 0,-2 4 0,3-2 0,-3 1 0,0 0 0,0-2 0,0 2 0,0 1 0,2-1 0,-2 0 0,3-2 0,-3 0 0,0 2 0,0 0 0,0 0 0,2-1 0,-1 0 0,4-1 0,-5 1 0,1-1 0,-1 2 0,0 1 0,0 0 0,4-4 0,-4 4 0,2-3 0,-2 1 0,0-1 0,0 1 0,0 3 0,0-4 0,0 4 0,3-4 0,0 5 0,-1-1 0,0 2 0,-4 4 0,0-1 0,-1 1 0,0-1 0,3 3 0,0-2 0,0 5 0,0-6 0,0 3 0,0-3 0,0 2 0,0 0 0,0 0 0,0-2 0,0 3 0,0 1 0,0-1 0,0 0 0,0-1 0,0-4 0,0 4 0,0-4 0,0 0 0,0 2 0,0-1 0,0 1 0,0 1 0,0 2 0,0-3 0,0 2 0,0-4 0,0 6 0,0-6 0,0 6 0,0-2 0,0-2 0,0-2 0,0 4 0,0-2 0,0 1 0,0-3 0,0 4 0,0-2 0,3 2 0,-3 0 0,3 0 0,-3 0 0,2 1 0,-2-5 0,2 6 0,-2-6 0,0 5 0,2-3 0,0 3 0,0-4 0,-2 3 0,0-2 0,2 2 0,-2-2 0,2 2 0,2-3 0,-4 2 0,4-1 0,-4-3 0,4 2 0,-4 2 0,2-2 0,-2 5 0,4-5 0,-3 3 0,2-4 0,-3 2 0,0-1 0,0 4 0,0-5 0,0 6 0,0-4 0,1 2 0,1 0 0,-1-2 0,-1-1 0,0 2 0,0-2 0,0 3 0,3-2 0,-3 4 0,2-5 0,1 3 0,-3-2 0,1-2 0,-1 2 0,0-1 0,0 0 0,0 3 0,0-4 0,0 3 0,0-1 0,0-1 0,0 2 0,0-4 0,0 2 0,0 1 0,0-2 0,0 4 0,0-2 0,0 3 0,0-6 0,0 3 0,0 0 0,0-3 0,0 2 0,0 0 0,0-1 0,0 1 0,4 0 0,-4-1 0,4 0 0,-4 2 0,4-3 0,-3 3 0,2-1 0,-2 0 0,-1-1 0,0 1 0,0 0 0,0 1 0,0-1 0,1 2 0,1-2 0,0 0 0,1 1 0,-3 0 0,4 0 0,-4-2 0,4 0 0,-4 1 0,0 2 0,0-4 0,0 5 0,0-3 0,2-2 0,-2 3 0,3 1 0,-3-2 0,1 3 0,1-2 0,0 0 0,-2-1 0,0 2 0,0-4 0,0 3 0,0-1 0,0-2 0,0 3 0,0-1 0,0-1 0,0 1 0,0-3 0,0-1 0,0-3 0,1-1 0,0 1 0,2 2 0,-3-3 0,0 2 0,0-2 0,0 1 0,0-4 0,0 3 0,0-2 0,3 2 0,-3 2 0,2-5 0,-2 5 0,2-6 0,1 6 0,0-3 0,-1 3 0,-2 0 0,0-1 0,2 1 0,0 1 0,1-4 0,0 1 0,1-1 0,-3 2 0,2-1 0,-3 3 0,5 0 0,-5-1 0,3 0 0,-2-4 0,2 2 0,0-1 0,-1 1 0,2 0 0,-4 2 0,5-1 0,-5 0 0,1 2 0,-1-2 0,4-1 0,-4 1 0,3-5 0,-2 6 0,-1-4 0,3 4 0,0-1 0,0 0 0,1 1 0,0-4 0,-3 4 0,-1 1 0,0-4 0,4 4 0,-4-2 0,5-1 0,-5 0 0,2 3 0,-2-3 0,0 1 0,0-3 0,0 4 0,0-2 0,2 2 0,0-3 0,1 2 0,-2-2 0,1 3 0,-2-4 0,0 4 0,0-1 0,3 0 0,-3 1 0,2 0 0,-2-2 0,3 4 0,-3 1 0,4 0 0,-4 2 0,0 3 0,0-1 0,0-1 0,1 5 0,2-3 0,4 6 0,-4-6 0,2 4 0,-5-5 0,4 4 0,-2-4 0,0 4 0,-2-4 0,0 0 0,0-2 0,2 4 0,-1-2 0,0 2 0,-1-3 0,0 1 0,0-1 0,0-2 0,4 3 0,-4-2 0,1 4 0,-1-2 0,0 0 0,0-1 0,0-2 0,0 3 0,0 0 0,0-3 0,0 2 0,0 0 0,0-1 0,0 1 0,0 0 0,0 1 0,0-4 0,0 4 0,0-1 0,-1-1 0,1 1 0,-4 1 0,4-3 0,0 2 0,0 0 0,0 0 0,0-1 0,0-2 0,0-5 0,0 0 0,0-3 0,0 5 0,0-4 0,0 3 0,0-2 0,4-2 0,-3 1 0,4-1 0,0-2 0,-2-4 0,0 4 0,0-1 0,1 3 0,-3 2 0,6-4 0,-7 8 0,4-3 0,-4-4 0,0-1 0,0 3 0,0-2 0,0 6 0,1-3 0,-1 2 0,4-2 0,-2 3 0,4-1 0,-6 1 0,0-2 0,0 1 0,6-3 0,-5 4 0,5-3 0,-6 2 0,4 1 0,-3 0 0,1-1 0,-1 3 0,1-2 0,0 0 0,-1-1 0,-1 2 0,0-4 0,0 3 0,0-1 0,0 1 0,0 1 0,0-2 0,0 1 0,0 1 0,0 0 0,0-2 0,0 1 0,3-4 0,-1 2 0,2-1 0,-2 3 0,-2-1 0,0 3 0,0-4 0,0 0 0,0 3 0,0-4 0,0 4 0,0-2 0,2 0 0,-2 0 0,3-1 0,-3 4 0,0-5 0,3 4 0,-3-7 0,4 7 0,-2-6 0,-1 4 0,-1-2 0,0 2 0,0 0 0,0 2 0,3-4 0,-3 2 0,2-2 0,-2 2 0,0-2 0,4 3 0,-2-3 0,0 4 0,3-3 0,-4 3 0,1-3 0,-2 3 0,1-3 0,1 1 0,0-1 0,1 2 0,-3 1 0,1-3 0,3 2 0,-4 1 0,4-2 0,-4 3 0,0-2 0,0-1 0,4 2 0,-2 0 0,1-1 0,0 1 0,-2-2 0,-1 1 0,4 0 0,-4 0 0,1 2 0,-1 2 0,0 3 0,0 5 0,0-4 0,0 3 0,0-4 0,0 5 0,0 0 0,0 1 0,0-3 0,3 0 0,-3-4 0,2 2 0,-2 0 0,0 1 0,0-1 0,0 2 0,0-4 0,0 1 0,0-2 0,0 3 0,0-4 0,0 5 0,0-2 0,0 3 0,0-4 0,0 5 0,0-5 0,0 6 0,0-6 0,0 3 0,0-2 0,3 0 0,-3 0 0,3 0 0,-3 0 0,0 2 0,0 0 0,0 3 0,0-1 0,0-2 0,0-3 0,0 1 0,0 1 0,0 2 0,0-3 0,0 3 0,0-4 0,0 3 0,0-2 0,0 1 0,0-2 0,0 1 0,0 0 0,0 3 0,0-2 0,0-1 0,0-1 0,0 3 0,0-2 0,0 2 0,0-4 0,0 2 0,0-2 0,0 0 0,0 1 0,0 1 0,0-3 0,0 3 0,0-1 0,0-2 0,0 2 0,0 1 0,0-1 0,0 0 0,2 2 0,-2-2 0,4 2 0,-4-4 0,0 4 0,0-1 0,0-1 0,0 0 0,1 2 0,0-1 0,1 3 0,-2-4 0,1 4 0,1-4 0,1 3 0,-3-2 0,0 0 0,0-2 0,0 3 0,0-2 0,0 5 0,0-5 0,0 6 0,0-5 0,0 2 0,0-2 0,0-3 0,0 3 0,0-1 0,0-2 0,0 5 0,0-2 0,0 1 0,2-4 0,-2 3 0,2-1 0,-2 0 0,0-1 0,0 2 0,0-2 0,0 0 0,0 1 0,0 0 0,0-1 0,0 3 0,0-3 0,0 2 0,0-1 0,0-1 0,0 1 0,0 0 0,0-1 0,0 1 0,0 0 0,0 1 0,0-3 0,0 2 0,0 1 0,0-3 0,0 2 0,0-3 0,-2 0 0,2-4 0,-2 2 0,2-3 0,0 0 0,0 2 0,4-5 0,4 0 0,0 2 0,0-2 0,-7 1 0,3 5 0,-4-4 0,4 3 0,2-4 0,-2 1 0,4 0 0,-4 2 0,0 0 0,-4 2 0,5-3 0,-1 3 0,-3-2 0,2 0 0,-1 2 0,0-2 0,1-1 0,-2 2 0,0-1 0,4 0 0,-5 2 0,4-2 0,-4 0 0,3 1 0,-1 1 0,-2-1 0,5 2 0,-4-3 0,2 2 0,-2-2 0,4 1 0,1 0 0,-3-1 0,3-1 0,-2 2 0,0-3 0,1 1 0,3-1 0,-4 2 0,4-2 0,-6 4 0,2-1 0,-1 2 0,-2-3 0,2 2 0,2-4 0,-5 5 0,5-4 0,-3 2 0,1 0 0,1 1 0,0-5 0,-1 6 0,3-6 0,-4 4 0,3-2 0,-2 3 0,3-4 0,-6 3 0,4-1 0,-4 0 0,3 3 0,-1-3 0,-2 1 0,3 0 0,-1-1 0,1 0 0,0 1 0,-1-3 0,-2 6 0,0 4 0,0 1 0,0 2 0,3 0 0,-1-3 0,2 8 0,-2-6 0,3 4 0,-4-6 0,5 5 0,-6-5 0,2 4 0,-2-4 0,0 4 0,0-4 0,0 4 0,2-5 0,0 3 0,-1-2 0,2-1 0,-2 0 0,0 3 0,-1-2 0,0 4 0,0-7 0,0 4 0,0-1 0,4-3 0,-4 2 0,1 0 0,-1 0 0,0-1 0,3 1 0,-3 1 0,3 0 0,-3 0 0,3 0 0,-3 0 0,4-1 0,-3 0 0,1 1 0,-2-2 0,0 2 0,2-3 0,-1 3 0,1-1 0,-2 0 0,0 0 0,3 0 0,-3 1 0,2 0 0,-2-2 0,0 3 0,0-2 0,0-1 0,0 1 0,0 0 0,0-1 0,0 2 0,0-2 0,0 0 0,0 1 0,0 0 0,0-1 0,0 1 0,0-3 0,0-3 0,0-4 0,3-4 0,-2 1 0,3 0 0,-4 0 0,0 6 0,0-7 0,4 5 0,-3-8 0,2 4 0,0-5 0,0 5 0,6-6 0,-5 7 0,-1-1 0,-3 6 0,0-3 0,0 4 0,0-3 0,0 2 0,0-2 0,0 3 0,2-6 0,-2 6 0,5-1 0,-3 0 0,-1 1 0,-1 1 0,0-1 0,1-1 0,1 0 0,4 0 0,-6 2 0,1 0 0,-1-2 0,0 0 0,0 2 0,0-3 0,0 3 0,0-1 0,0 0 0,0 0 0,0 2 0,0-3 0,0 2 0,0-2 0,0 0 0,3 0 0,-3 3 0,3-4 0,-3 1 0,0-1 0,0 3 0,2-5 0,-2 4 0,4-3 0,-2 2 0,2-1 0,-3 2 0,0-1 0,-1 2 0,0-3 0,0 1 0,4-1 0,-3 1 0,2-1 0,1 1 0,-4 1 0,2 0 0,-2-3 0,4 2 0,-2-2 0,-1 3 0,-1 0 0,0-1 0,3 1 0,-2 2 0,0-4 0,-1 1 0,0 2 0,0-2 0,0 1 0,0 0 0,3-2 0,-3 4 0,2-4 0,-2 1 0,0 1 0,0-2 0,3 4 0,-3-2 0,3 1 0,-3-2 0,0 2 0,2-3 0,-2 1 0,4-1 0,-4 3 0,0 0 0,0-1 0,0-2 0,0 1 0,0-1 0,4 0 0,-4 1 0,0 1 0,0 1 0,0-2 0,0 0 0,0 1 0,0 3 0,0 3 0,0 1 0,0 4 0,0-6 0,0 7 0,0-5 0,0 6 0,2-6 0,-1 4 0,1-4 0,-2 1 0,0-2 0,0 1 0,0-1 0,0-2 0,0 2 0,0 2 0,0-1 0,0 2 0,0-3 0,0 2 0,0-2 0,0 3 0,0-4 0,0 5 0,0-4 0,0 5 0,0-5 0,0 3 0,0-2 0,0 0 0,0 0 0,0 0 0,0-2 0,0 2 0,0-1 0,0 1 0,0-1 0,0 1 0,0-1 0,0 3 0,0-2 0,0 0 0,0 0 0,0 0 0,0 0 0,0 2 0,0 0 0,0-2 0,0-2 0,0 4 0,0-2 0,0 0 0,0-1 0,0 5 0,0-3 0,0 6 0,0-7 0,0 2 0,0-5 0,0 7 0,0-2 0,0 2 0,0-5 0,0 4 0,0-5 0,0 3 0,0-1 0,0 2 0,0-3 0,0 4 0,0-4 0,0 2 0,0-4 0,0 4 0,0-1 0,0 2 0,0-2 0,0 1 0,0-1 0,0 0 0,0 2 0,0-2 0,0-1 0,0 2 0,0-1 0,0 0 0,0-1 0,0 2 0,0-3 0,0 1 0,0 2 0,0 0 0,0-1 0,0 3 0,0-4 0,0 2 0,0 0 0,0 0 0,0-2 0,0 2 0,0-4 0,0 2 0,0 1 0,0-2 0,0 2 0,0 2 0,0-2 0,0 2 0,0-3 0,0 1 0,0 0 0,0 1 0,0 0 0,0-1 0,0 0 0,0-1 0,0 0 0,0 2 0,0-3 0,0 1 0,0 0 0,0 0 0,0-1 0,0 1 0,0-1 0,0 0 0,3-6 0,-3 1 0,2-2 0,2-1 0,-2 1 0,5 0 0,-7 2 0,4-1 0,0-2 0,-1 3 0,-2-2 0,3 4 0,-4-2 0,4-1 0,0-1 0,2-3 0,-2 4 0,4-4 0,-8 4 0,4-2 0,-4 1 0,4 0 0,-4 2 0,0 0 0,0 0 0,0-1 0,0 1 0,0-2 0,1 1 0,-1-1 0,3 2 0,-3-1 0,2 1 0,0 2 0,-1-3 0,1-1 0,0 3 0,2-5 0,-4 4 0,2-2 0,1 2 0,-3-2 0,5 2 0,-2-5 0,6-1 0,-5 0 0,2 4 0,-4 2 0,0 2 0,-1-5 0,1 0 0,0 1 0,-2-1 0,0 2 0,0 3 0,0-4 0,3 2 0,-2-4 0,3 3 0,-2 0 0,0 1 0,-2-1 0,4-1 0,-3 1 0,-1 1 0,3 0 0,-3 2 0,0-3 0,2 1 0,0 3 0,-1 0 0,-1 7 0,0-3 0,0 3 0,0-5 0,0 5 0,0-2 0,3 5 0,-2-6 0,3 8 0,-4-7 0,0 3 0,0-2 0,0 7 0,3-4 0,-3 6 0,2-9 0,-2 6 0,0-9 0,0 5 0,0-3 0,0 0 0,0-1 0,2 3 0,-1 0 0,3 0 0,-4-5 0,6 6 0,-6-5 0,2 5 0,-2-5 0,0 1 0,0 0 0,0 2 0,0 0 0,2 0 0,-2-2 0,4-3 0,-4 2 0,0 0 0,0 1 0,0 0 0,2 0 0,1 2 0,0-2 0,-1 1 0,-2-1 0,0 1 0,1-2 0,1 2 0,3-4 0,-5 2 0,1-2 0,-1-1 0,3-1 0,0-5 0,3 0 0,-2 1 0,7-4 0,-9 5 0,13-7 0,-12 7 0,6-8 0,1 4 0,-4 2 0,6-6 0,-5 5 0,0-2 0,3-6 0,-4 11 0,1-8 0,-2 9 0,-4-3 0,2 2 0,4-5 0,-4 4 0,2-5 0,1 6 0,-4 0 0,2 0 0,0-1 0,0 0 0,0-2 0,-4 4 0,5-2 0,-5 4 0,4-4 0,0 2 0,-3-2 0,4 2 0,-3 0 0,-1-1 0,2 1 0,-3 0 0,2 0 0,2-1 0,-4 1 0,4-2 0,-4 3 0,3-2 0,0-1 0,-3 2 0,4-3 0,-3 2 0,1-1 0,3 0 0,-4 2 0,6-1 0,-7 0 0,3 2 0,-3-1 0,0 0 0,2 0 0,-2 2 0,3-2 0,-3 3 0,0 4 0,0 1 0,0 3 0,0 1 0,0-4 0,0 9 0,3-7 0,-3 3 0,4 2 0,-4-10 0,0 10 0,0-7 0,0 6 0,4 2 0,-4 0 0,3 3 0,-3-8 0,3 4 0,-3-7 0,2 3 0,-2-4 0,3 2 0,1-2 0,0 3 0,-2-4 0,6 5 0,-8-4 0,8 5 0,-6-5 0,1 0 0,2 0 0,-1 2 0,0-1 0,4 2 0,-6-6 0,3 5 0,1-2 0,-3 2 0,-2-3 0,1 2 0,0-1 0,3 0 0,-5 1 0,5 0 0,-5-2 0,2 2 0,0-4 0,-2 4 0,4-2 0,-3-1 0,1 1 0,4 2 0,-6-1 0,4 0 0,0 0 0,-4-2 0,4 0 0,-3 3 0,-1-2 0,3 1 0,-3-1 0,2 0 0,-2-3 0,3-2 0,-3-1 0,0-5 0,0 5 0,0-11 0,0 7 0,0-4 0,0 2 0,0 0 0,0 0 0,0 2 0,0-3 0,0 8 0,0-7 0,0-1 0,0 3 0,0-5 0,0 5 0,0-2 0,0 1 0,0 3 0,0-3 0,0 3 0,0-3 0,0-2 0,0 4 0,0-8 0,0 9 0,0-5 0,0 5 0,0-4 0,0 4 0,0-3 0,0 5 0,0-5 0,0 3 0,0-8 0,0 10 0,0-7 0,0 6 0,0-5 0,0 5 0,0-3 0,2 2 0,1-3 0,1 3 0,-4-6 0,0 7 0,0-1 0,0 1 0,0-4 0,0 4 0,0-5 0,0 6 0,0-1 0,0 1 0,0-2 0,0 3 0,0-5 0,0 4 0,0-2 0,0 2 0,0-1 0,0 1 0,0 1 0,0-4 0,0 4 0,0-2 0,0 0 0,0 2 0,0-4 0,0 2 0,0-1 0,0 2 0,0-4 0,0 5 0,0-8 0,0 6 0,0-18 0,0 14 0,0-15 0,0 17 0,0-6 0,0 7 0,0-5 0,0 3 0,0 0 0,0 5 0,0-1 0,0 3 0,0 1 0,0 21 0,0-11 0,0 14 0,0 2 0,0-4 0,0 18 0,0-23 0,0 11 0,0-19 0,0 35 0,0-19 0,0 14 0,4-22 0,1-6 0,0-4 0,-2 2 0,-3-5 0,1 3 0,-1-2 0,4 4 0,-4-7 0,1 3 0,1-2 0,1 2 0,-2-3 0,5 2 0,-6-3 0,1 2 0,-1 4 0,0-1 0,3 2 0,-3-7 0,6 6 0,-6-5 0,7 5 0,-7-4 0,5 4 0,-3-5 0,2 6 0,-3-8 0,2 5 0,-3-1 0,0 2 0,0-5 0,0 1 0,0 2 0,3-3 0,-3 1 0,2 0 0,0-1 0,-2 1 0,4 2 0,-4-2 0,2 4 0,-2-6 0,3 3 0,-3-2 0,1 0 0,1 1 0,0 1 0,-1-1 0,0 0 0,5 0 0,-6 0 0,4 0 0,-4 0 0,4-2 0,-4 1 0,0 1 0,1 0 0,-1 1 0,5 1 0,-3-5 0,-1 5 0,1-1 0,0-1 0,-1-5 0,-1 1 0,3-4 0,-3 1 0,2 0 0,1-2 0,-3 1 0,3-1 0,3-3 0,2-2 0,-1 0 0,0-4 0,-6 7 0,3-3 0,-2 7 0,4-3 0,-6 2 0,4-1 0,-4 1 0,6-1 0,-6 2 0,4-2 0,0 2 0,-2 0 0,0 0 0,-2 1 0,0 0 0,0 0 0,0 1 0,0 0 0,0-2 0,0 2 0,0-1 0,0 0 0,0-1 0,4 3 0,-4-2 0,4-1 0,-4 2 0,2-2 0,1-1 0,-3 2 0,3-2 0,-2 3 0,3-6 0,1 7 0,0-6 0,-3 4 0,4-2 0,-6 3 0,4-4 0,-4 2 0,6 0 0,-4 1 0,3-3 0,-1 2 0,-4 0 0,5-1 0,-5 2 0,4-2 0,-4 2 0,5-1 0,-3 1 0,0 0 0,1 2 0,-2-3 0,-1 1 0,0 1 0,0-1 0,4 0 0,-4-2 0,1 2 0,2-4 0,-3 5 0,4-2 0,-4 0 0,0 2 0,0-1 0,0-1 0,0 1 0,0-4 0,0 5 0,0-4 0,0 3 0,0 0 0,0-1 0,0 0 0,0 0 0,-4-1 0,4 1 0,-4-2 0,2 2 0,0-1 0,2 4 0,0-2 0,0-2 0,0 1 0,0 1 0,0 0 0,0 0 0,0 0 0,0-2 0,-1 4 0,-2-3 0,3 1 0,0 1 0,0 1 0,0 2 0,0 4 0,0 0 0,0-1 0,0 0 0,0-1 0,0 3 0,0-4 0,0 3 0,0 0 0,3 1 0,-2 1 0,-1-3 0,0 0 0,0-1 0,0 2 0,0-1 0,0-2 0,0 3 0,0-2 0,0 4 0,0-4 0,2 4 0,0-5 0,-1 4 0,-1-4 0,0 4 0,0-2 0,0 3 0,0-2 0,0 3 0,0-5 0,0 8 0,0-6 0,0 1 0,0-1 0,0 0 0,0 0 0,0 1 0,0-2 0,0 2 0,0-1 0,0 4 0,0-5 0,0 6 0,0-8 0,3 7 0,-3-6 0,1 2 0,-1-4 0,0 4 0,0-1 0,4 0 0,-4-1 0,3 2 0,-3-1 0,2-2 0,-2 2 0,3 0 0,-3-2 0,0 3 0,0-3 0,0 1 0,2 0 0,-2-1 0,2 0 0,1 2 0,-2-2 0,1 1 0,-2 0 0,2-1 0,0 2 0,1 0 0,0 0 0,-3-2 0,0 1 0,4 1 0,-2-1 0,4 0 0,-5-1 0,2 0 0,-3 0 0,0 0 0,0 1 0,2 0 0,-2 4 0,2-2 0,1-1 0,-3-2 0,2-2 0,-2 3 0,0 1 0,0-1 0,2-2 0,-2 3 0,5-2 0,-5 0 0,0 1 0,1 1 0,-1-3 0,3 3 0,-3-1 0,0-2 0,0 2 0,0 1 0,0-2 0,0 1 0,0 0 0,0 0 0,0-1 0,0 1 0,0 1 0,0-4 0,0 4 0,0 0 0,0-3 0,0 2 0,0-3 0,-3 0 0,3-3 0,-1 3 0,1-6 0,0 3 0,0-4 0,0 2 0,0-1 0,0 3 0,0-1 0,0-6 0,0 5 0,0-9 0,0 9 0,0-3 0,0 3 0,0 1 0,1 0 0,-1 1 0,3 0 0,-2-3 0,1 2 0,2-2 0,-3 3 0,0 0 0,-1-2 0,6-1 0,-5 0 0,4 0 0,-3 2 0,1-3 0,2 2 0,-2-1 0,2 1 0,-5 0 0,2-2 0,1-1 0,-3 2 0,6-5 0,-6 7 0,3-8 0,-3 8 0,0-5 0,0 6 0,0-2 0,0 2 0,3-4 0,-3 5 0,5-8 0,-5 6 0,3-4 0,-3 5 0,1-2 0,3 0 0,-1 1 0,-1-3 0,0 2 0,1 1 0,-1 0 0,4 1 0,-6-2 0,4 1 0,0-2 0,-2 3 0,1-1 0,-3 1 0,1-1 0,3 1 0,-1-3 0,-2 2 0,-1-2 0,0 2 0,4-7 0,-3 7 0,5-11 0,-4 11 0,2-7 0,-4 9 0,0-6 0,3 3 0,-3-5 0,3 1 0,1-2 0,-2 9 0,3-6 0,-5 6 0,0-1 0,0-1 0,0 1 0,2-2 0,1-2 0,0 3 0,-1-3 0,-2 5 0,0-4 0,0 3 0,0 0 0,0-1 0,0 0 0,1 1 0,0-4 0,5 2 0,-6 2 0,1-2 0,2 2 0,-3 2 0,4-3 0,-2 1 0,1 2 0,2-3 0,-3 0 0,0 2 0,2-4 0,-3 2 0,2-1 0,2 1 0,-5 1 0,5 0 0,-3 1 0,-1 0 0,1-3 0,-1 3 0,4-4 0,-5 3 0,2 0 0,1-1 0,-3 1 0,3 1 0,-1-1 0,1 1 0,-2-3 0,3 4 0,-4-2 0,0 0 0,0 3 0,0 2 0,0 2 0,0 2 0,0-2 0,0-1 0,0 0 0,0 1 0,0 9 0,0-7 0,0 8 0,0-11 0,0 1 0,2-2 0,-1 6 0,4-1 0,-5 0 0,2-4 0,-2 2 0,0-3 0,0 5 0,0-3 0,0 8 0,0-6 0,0 4 0,0-4 0,0 0 0,0-2 0,3 0 0,-3-1 0,6 7 0,-4-6 0,2 6 0,-2-4 0,0 4 0,0-1 0,-2 3 0,0-2 0,0-2 0,0-3 0,0 1 0,0 3 0,1-2 0,1 1 0,-1-1 0,-1-4 0,4 3 0,-3-1 0,6 4 0,-5-5 0,2 3 0,-3-5 0,6 10 0,-5-7 0,4 11 0,-6-10 0,0 7 0,0-6 0,1 1 0,2-3 0,3-2 0,-5 0 0,5 6 0,-6-6 0,4 4 0,-2-2 0,-2 1 0,2-2 0,-2 1 0,2 1 0,0-3 0,-1 4 0,-1-5 0,0 2 0,0 1 0,0-2 0,0 3 0,4 3 0,-1-5 0,0 4 0,0-2 0,-3 0 0,0-3 0,0 0 0,0-1 0,0 2 0,0 0 0,0 0 0,0 1 0,0 0 0,2 4 0,-1-5 0,2 1 0,-3-2 0,0 0 0,0 4 0,1-2 0,1-1 0,2 0 0,-4-3 0,2 1 0,-2 1 0,0 1 0,3-4 0,-3 4 0,4 0 0,-4-3 0,0 2 0,1 0 0,3-1 0,-2 1 0,0 1 0,-1-3 0,2 1 0,1-2 0,-4 3 0,2-5 0,1 2 0,-3-3 0,7-4 0,-7 3 0,6-8 0,-5 8 0,5-9 0,-2 9 0,2-8 0,-3 7 0,0-2 0,-2 5 0,0-5 0,4 2 0,-5-5 0,2 7 0,-2-5 0,0 5 0,0-6 0,0 5 0,0-1 0,0 0 0,0 2 0,0 2 0,3-4 0,-2 1 0,6-5 0,-2 4 0,-1-6 0,0 6 0,-2-5 0,-2 7 0,2-7 0,-2 6 0,2-4 0,-2 4 0,0 0 0,0 0 0,4 0 0,-1 0 0,2-1 0,-2 3 0,0-2 0,-1 1 0,0 0 0,1 1 0,-2-1 0,2 0 0,1 1 0,-4-1 0,0 0 0,1 1 0,-1-1 0,5 0 0,-3-1 0,1 3 0,-2-3 0,1 2 0,2 0 0,-3-2 0,5 1 0,-1 0 0,0-1 0,0 2 0,-1-2 0,0 1 0,-4 0 0,5 2 0,-5 1 0,3 1 0,-2 2 0,-1 0 0,4 3 0,-4-4 0,3 8 0,-3-6 0,5 5 0,-5-6 0,0 4 0,0 1 0,0-2 0,0 2 0,0-4 0,0 2 0,0 0 0,0-1 0,0 1 0,0-3 0,0 7 0,0-5 0,0 6 0,0-6 0,0 3 0,0-5 0,0 3 0,1 0 0,-1-2 0,3 2 0,-2 4 0,-1-6 0,5 5 0,-5-1 0,1-3 0,1 4 0,-1-7 0,-1 2 0,0 0 0,0-2 0,0 3 0,0-2 0,0 6 0,0-7 0,0 5 0,0-4 0,0 0 0,0 0 0,0 1 0,0-3 0,0 3 0,0 0 0,0 0 0,0 2 0,0-2 0,0 0 0,0-3 0,0 4 0,0-1 0,0 0 0,0-1 0,3 3 0,-3-3 0,3 0 0,-3 0 0,0-1 0,0 1 0,0 1 0,2-4 0,-2 0 0,2 0 0,-2-4 0,0-2 0,0 1 0,5-13 0,-1 2 0,7-23 0,-5 12 0,4-10 0,-3 5 0,1 11 0,-3-2 0,0-2 0,-4 14 0,4-23 0,-2 21 0,3-18 0,1 19 0,-3-3 0,2 4 0,-2 2 0,2 0 0,-3-7 0,-3 12 0,0-11 0,0 8 0,0-1 0,3 0 0,-3 5 0,3-6 0,-3 2 0,0 3 0,0-6 0,0 6 0,0-7 0,0 8 0,0-8 0,0 6 0,3 0 0,-3 2 0,4-4 0,-4 4 0,1-2 0,-1 2 0,4 2 0,-4-3 0,0 0 0,1 4 0,-1-5 0,3 1 0,-3 1 0,0 0 0,0 0 0,0 2 0,3-4 0,-2 2 0,0-3 0,2 3 0,-3-5 0,2 7 0,-2-2 0,0-2 0,0 5 0,0 5 0,4-2 0,-4 1 0,6 3 0,-4-4 0,7 10 0,-9-10 0,5 7 0,-2-3 0,1 2 0,4 8 0,-4-4 0,9 17 0,-6-10 0,2 6 0,2 1 0,2 4 0,3 10 0,-9-26 0,-1 3 0,-6-12 0,3 10 0,0-11 0,-3 3 0,6-2 0,-6 2 0,2-2 0,-2-4 0,0 3 0,0 2 0,0-2 0,2 2 0,0-4 0,-1 1 0,1-1 0,1 4 0,1-4 0,-3 2 0,2-1 0,-3 0 0,3-1 0,-1 3 0,-2 2 0,3-1 0,-3 0 0,0-3 0,1 2 0,2-1 0,-2 0 0,1 2 0,0-5 0,2 7 0,0-6 0,0 3 0,-2-2 0,2 0 0,-4 0 0,4-1 0,-4 0 0,0 0 0,0 1 0,0-2 0,2 0 0,-1 1 0,0 1 0,-1-1 0,0 0 0,0 0 0,0 1 0,0-3 0,0 3 0,4-1 0,-4-2 0,5 3 0,-5-1 0,1 0 0,-1-1 0,0 0 0,0 2 0,0-3 0,0 3 0,0-1 0,0-1 0,0 1 0,0 0 0,0-2 0,0 3 0,0-1 0,0-1 0,0-1 0,0-4 0,0 0 0,4-5 0,-4 5 0,3-3 0,-3 2 0,3-4 0,-3 2 0,7-2 0,-7 1 0,2 2 0,5-10 0,-6 9 0,7-11 0,-4 12 0,4-3 0,-5 3 0,6-6 0,-6 8 0,-1-5 0,0 4 0,-2-1 0,0 1 0,0-3 0,3 4 0,-3-3 0,3 2 0,-3 0 0,0 0 0,2 1 0,-2 1 0,5-1 0,0-3 0,0 1 0,-2-1 0,-3 4 0,3-2 0,-3 1 0,3-1 0,-3 1 0,0 1 0,0-1 0,0 0 0,0-1 0,0-1 0,0 3 0,0-4 0,0 2 0,0 2 0,0-2 0,0 0 0,0 1 0,0 0 0,0 0 0,0-2 0,0 1 0,0 1 0,0 0 0,0 0 0,0 1 0,0-1 0,0 0 0,0 3 0,0 1 0,2 2 0,-2 1 0,4-1 0,-3 0 0,2-1 0,0 3 0,-1-2 0,1 2 0,-3-2 0,5 2 0,-1-1 0,0 1 0,5 5 0,-5-5 0,4 4 0,-6-5 0,5 4 0,-7-5 0,7 3 0,-4-4 0,0 3 0,3-2 0,-2 3 0,-1-2 0,3 2 0,0 2 0,-2-4 0,1 3 0,-4-2 0,-1-1 0,0 0 0,0 2 0,2 1 0,0 1 0,0 0 0,-2-3 0,0 0 0,0-2 0,2 6 0,0-5 0,1 2 0,1-3 0,-3 3 0,-1-2 0,3 2 0,-3-2 0,0 0 0,2 0 0,1 0 0,0-2 0,-1 1 0,-2 1 0,0-3 0,0 4 0,0-1 0,0 0 0,0 0 0,0-2 0,0 2 0,0-3 0,0 2 0,0 0 0,0 1 0,0-2 0,0 1 0,4 0 0,-4-1 0,0 1 0,0 0 0,4-1 0,-4-2 0,5-2 0,-5-1 0,3-2 0,-1 3 0,-1-2 0,2 1 0,-1 0 0,4-1 0,-5 1 0,5-6 0,-4 6 0,3-3 0,-4 3 0,6-4 0,-5 3 0,8-5 0,-6 5 0,2-3 0,-3 4 0,2-3 0,-2 1 0,2 0 0,-5 2 0,7-4 0,-6 2 0,5-1 0,-2 3 0,1-4 0,1 5 0,-2-5 0,1 4 0,1-2 0,-3 3 0,3-4 0,-2 1 0,3-2 0,-3 4 0,1-4 0,-4 5 0,3-6 0,3 4 0,-6 0 0,5-1 0,-4 0 0,4-2 0,-2-1 0,0 4 0,0-1 0,0 2 0,-1-2 0,-1 2 0,-1-2 0,1 1 0,4 0 0,-4 0 0,3 0 0,-5 0 0,0 2 0,0-2 0,0 1 0,0-2 0,0 2 0,0 0 0,0-2 0,0 1 0,0 2 0,0-2 0,0-1 0,0 2 0,0-1 0,0 2 0,0-2 0,0 0 0,0 1 0,0 0 0,0 1 0,0-2 0,0 3 0,0-1 0,0 4 0,0 1 0,0 1 0,0 0 0,0-1 0,0 4 0,0-1 0,0 7 0,0 0 0,0 3 0,0-8 0,3 3 0,0 0 0,5 3 0,-2 2 0,-2-5 0,-4-3 0,5-2 0,-2-2 0,3 8 0,-1-6 0,0 4 0,-4-5 0,1 1 0,2-2 0,0 4 0,-1-7 0,2 6 0,-5-4 0,5 3 0,-2-1 0,3 2 0,-4-4 0,3 0 0,-5 1 0,3-2 0,-3 0 0,0 1 0,0 0 0,2 1 0,1 0 0,-1 0 0,1 1 0,-3-2 0,0-2 0,0 3 0,0 0 0,0 0 0,0 2 0,0-2 0,5 2 0,-5-3 0,8 4 0,-7-4 0,3 0 0,-1 2 0,-3-2 0,1 0 0,-1 1 0,5-4 0,-3 4 0,1 0 0,-1-3 0,-1 0 0,-2-2 0,-1-8 0,0 5 0,2-4 0,0-4 0,2 5 0,0-7 0,-1 7 0,6-9 0,-4 1 0,6-6 0,0 8 0,-5 1 0,0 4 0,-3 1 0,2 1 0,1 2 0,2-6 0,-2 3 0,-3 0 0,4-2 0,-1 6 0,-2-4 0,0 5 0,-2-2 0,3 0 0,-3 2 0,2 0 0,1-2 0,-3 1 0,3 2 0,-1-3 0,0 0 0,4 0 0,-3-2 0,-2 4 0,3-1 0,-4 1 0,2-1 0,-2 0 0,0 0 0,0 0 0,0 1 0,2-1 0,-2 0 0,4 1 0,-4-1 0,2 0 0,-2-1 0,2 3 0,-2-2 0,2 0 0,0 1 0,1-3 0,0 2 0,1-1 0,-3 2 0,-1-2 0,3 1 0,-3 0 0,4-1 0,-4 2 0,0-2 0,0 0 0,1 3 0,-1-2 0,4-1 0,-4 3 0,0-2 0,0 3 0,0 2 0,0 0 0,0 8 0,0 3 0,0 0 0,0 3 0,0-6 0,0 1 0,0-1 0,0-1 0,0 7 0,0-6 0,0 16 0,0-7 0,0 20 0,0-22 0,0 9 0,2-16 0,2-1 0,1 6 0,0-6 0,-3-1 0,-2 0 0,0-2 0,0 3 0,0-2 0,0 6 0,0-6 0,0 3 0,0-7 0,0 2 0,4 0 0,-4 0 0,2-3 0,-2 2 0,0 1 0,0-2 0,0 4 0,0-6 0,3 3 0,-3-1 0,5-1 0,-5 2 0,3 0 0,-3 3 0,0-4 0,0 4 0,0-4 0,1 2 0,0-1 0,2 2 0,-3-4 0,0 2 0,0-1 0,1 2 0,1-1 0,2 4 0,-4-6 0,2 3 0,-2-2 0,0 3 0,0-3 0,0 1 0,4 0 0,-4 0 0,3 0 0,-3 2 0,0-4 0,0 2 0,0 0 0,0 0 0,0-2 0,3 3 0,-1-2 0,4 0 0,-3 0 0,2-1 0,-2 1 0,0 1 0,-2-1 0,-1-2 0,4 3 0,-4 0 0,2-2 0,-2 1 0,3 0 0,-3-3 0,0-3 0,0-2 0,0 1 0,0-1 0,0-2 0,5-4 0,-3 1 0,6-9 0,-7 6 0,2-3 0,-2 7 0,2-5 0,-3 8 0,6-11 0,-1 8 0,1-7 0,-2 10 0,-3-2 0,-1 3 0,3-2 0,-1-1 0,0-8 0,-1 8 0,2-10 0,2 10 0,2-2 0,-4 1 0,0 3 0,-3 3 0,0-5 0,3-2 0,0 4 0,2-4 0,-1 2 0,-2 3 0,0-3 0,1 0 0,1 2 0,3-5 0,-7 6 0,4-5 0,-4 1 0,0 4 0,4-6 0,-4 6 0,1-1 0,-1-1 0,3 4 0,-3-3 0,6-1 0,-4 0 0,5-4 0,-5 7 0,3-6 0,-5 6 0,4-4 0,-4 5 0,0 0 0,0 0 0,0 1 0,0 0 0,0-2 0,0 0 0,0 3 0,0-2 0,0-1 0,0 0 0,0-2 0,0 2 0,0-1 0,0 4 0,0-6 0,0 4 0,0-4 0,0 5 0,0-5 0,0 4 0,0-3 0,0 2 0,0-4 0,0 4 0,0 0 0,0-4 0,0 4 0,0-5 0,0 5 0,0-4 0,0 4 0,0-4 0,0 5 0,0-2 0,0 0 0,0 2 0,0-6 0,1 5 0,-1-2 0,4 0 0,-4 2 0,0 4 0,0 3 0,0 1 0,0 0 0,0 2 0,0-1 0,0 6 0,0-2 0,0 4 0,0 4 0,0 13 0,0-2 0,0 3 0,0-17 0,0 15 0,0-16 0,0 19 0,1-22 0,0 2 0,2-8 0,-3 2 0,0-3 0,0 3 0,0-2 0,0-1 0,2 0 0,1 3 0,-1-4 0,0 6 0,-2-6 0,0 1 0,0 1 0,0-1 0,0-2 0,0 3 0,3-2 0,-3 0 0,5 3 0,-5-2 0,5 1 0,-3-1 0,0-2 0,1 3 0,1 0 0,-4-3 0,2 2 0,-2 2 0,0-4 0,0 4 0,0-1 0,0-4 0,0 4 0,3 0 0,-3-3 0,4 4 0,0-2 0,1 0 0,-2 1 0,-2-3 0,3 2 0,-4 0 0,1-1 0,2 1 0,-3 1 0,6-1 0,-6-1 0,4 3 0,-2-2 0,1-1 0,0 2 0,2-3 0,-1 1 0,1 0 0,-3 0 0,3 1 0,0 0 0,-2-1 0,1 0 0,-2 0 0,5 3 0,-6-3 0,4-1 0,-3-1 0,-1-1 0,3-8 0,-3 6 0,4-8 0,0 4 0,0 1 0,2-5 0,-5 8 0,8-12 0,-5 5 0,2 0 0,-2-2 0,1 2 0,0-3 0,4-4 0,-2 5 0,5-8 0,-8 8 0,-1 3 0,-1 1 0,-1 3 0,2-2 0,-4-1 0,3 6 0,-2-8 0,-1 5 0,0-5 0,0 6 0,0-5 0,0 8 0,0-4 0,0 2 0,5-2 0,-4 2 0,5-5 0,-6 4 0,0-2 0,1 3 0,2-2 0,2 2 0,-2-1 0,2 0 0,-5 0 0,5 0 0,-5 1 0,10-6 0,-9 6 0,12-8 0,-11 8 0,4-3 0,-6 2 0,0 0 0,4-1 0,-1 1 0,1-4 0,-2 5 0,-2-1 0,3 1 0,-1 0 0,0-2 0,-2 3 0,0-4 0,3 3 0,-2 0 0,1 2 0,-2-3 0,0 1 0,0 1 0,0-1 0,0 0 0,0 2 0,0-5 0,0 3 0,0 0 0,0-1 0,0 1 0,0 0 0,0 0 0,3-4 0,-3 5 0,5-3 0,-5 0 0,3 1 0,-3 1 0,0-1 0,2 0 0,1-1 0,2 2 0,-2 3 0,-1 3 0,1 2 0,-3-1 0,1 0 0,-1 2 0,0-2 0,0 5 0,0-2 0,0 4 0,0-6 0,0 10 0,0-8 0,3 9 0,-1-6 0,3 5 0,-3-11 0,4 10 0,-5-12 0,5 5 0,-6-4 0,2 3 0,0-2 0,4 4 0,-4-3 0,0 1 0,-2-2 0,0 0 0,4 0 0,-3 2 0,2-4 0,-2 4 0,3-3 0,-1 4 0,-1-4 0,3 2 0,0 3 0,0-3 0,3 6 0,-7-8 0,4 4 0,-5-4 0,0 0 0,0 2 0,0-2 0,0 3 0,0-2 0,3 2 0,-2-2 0,6 3 0,-4-2 0,2 2 0,-2-4 0,2 4 0,-5-3 0,4 2 0,0-2 0,1 2 0,-2-4 0,-1 3 0,1-2 0,-2 0 0,2 0 0,7 4 0,-8-5 0,10 7 0,-12-6 0,5 3 0,-5-1 0,3 0 0,-2-3 0,4 1 0,-4 0 0,1 2 0,5-1 0,-4-4 0,1 4 0,-4 0 0,0-3 0,0 2 0,0 0 0,0-1 0,0 1 0,0 1 0,0-3 0,0 2 0,0 0 0,0 1 0,0-3 0,0 3 0,0-1 0,0-1 0,0 3 0,0-2 0,0-1 0,0 2 0,0-3 0,0 3 0,0 1 0,0-2 0,0 3 0,0-3 0,0 2 0,0-1 0,0 1 0,0-1 0,0-1 0,0-1 0,0 1 0,0 0 0,0-2 0,0-1 0</inkml:trace>
+  <inkml:trace contextRef="#ctx0" brushRef="#br0">0 280 24575,'0'-2'0,"0"-1"0,0 1 0,2-1 0,-2 1 0,2 0 0,-2-1 0,1 0 0,3 1 0,-3 1 0,1-2 0,-2 1 0,1 1 0,1-2 0,1 0 0,-3 3 0,4-3 0,-4 0 0,2 1 0,-2 1 0,0-2 0,0 1 0,1 1 0,-1-2 0,4 0 0,-4 2 0,0-1 0,0-1 0,0 1 0,1 0 0,-1-1 0,3-1 0,-1 3 0,-1-1 0,-1-1 0,0 3 0,0-4 0,0 2 0,0 1 0,1-2 0,1-2 0,1 3 0,0-4 0,-3 4 0,4-4 0,-4 4 0,3-3 0,-3 3 0,3-2 0,-3 1 0,0 0 0,0 0 0,0-1 0,0 1 0,2-1 0,-1 2 0,2-2 0,-3 1 0,4-1 0,-4 2 0,3 0 0,-3-1 0,0 0 0,0 3 0,0-4 0,0 1 0,0 1 0,1-2 0,-1 2 0,2-1 0,-2 1 0,0-1 0,0 0 0,0 0 0,0 2 0,2-2 0,-2 1 0,2-2 0,-2 0 0,0 2 0,0 0 0,0 0 0,2-2 0,-1 1 0,2 0 0,-3-1 0,1 1 0,-1 0 0,0 2 0,0-1 0,3-2 0,-3 2 0,2-2 0,-2 1 0,0-1 0,0 1 0,0 3 0,0-4 0,0 3 0,2-3 0,0 4 0,0-1 0,0 2 0,-4 3 0,0-1 0,0 1 0,0-1 0,2 2 0,0-1 0,0 4 0,0-5 0,0 2 0,0-2 0,0 2 0,0 0 0,0-1 0,0-1 0,0 3 0,0 0 0,0-1 0,0 1 0,0-2 0,0-2 0,0 2 0,0-2 0,0-1 0,0 2 0,0 0 0,0 0 0,0 1 0,0 1 0,0-2 0,0 2 0,0-4 0,0 5 0,0-4 0,0 4 0,0-1 0,0-2 0,0-2 0,0 4 0,0-2 0,0 1 0,0-3 0,0 4 0,0-2 0,2 2 0,-2-1 0,2 1 0,-2-1 0,2 2 0,-2-5 0,2 6 0,-2-6 0,0 4 0,1-1 0,1 1 0,-1-3 0,-1 3 0,0-2 0,2 2 0,-2-2 0,1 1 0,2-1 0,-3 0 0,3 0 0,-3-2 0,3 1 0,-3 2 0,2-1 0,-2 3 0,3-4 0,-2 3 0,1-4 0,-2 2 0,0 0 0,0 2 0,0-3 0,0 4 0,0-3 0,1 1 0,0 1 0,0-2 0,-1-1 0,0 2 0,0-2 0,0 3 0,2-2 0,-2 3 0,2-3 0,0 1 0,-2-1 0,1-1 0,-1 1 0,0-1 0,0 1 0,0 1 0,0-2 0,0 2 0,0-1 0,0-1 0,0 2 0,0-3 0,0 1 0,0 1 0,0-2 0,0 4 0,0-2 0,0 2 0,0-4 0,0 2 0,0 0 0,0-2 0,0 1 0,0 1 0,0-2 0,0 2 0,3-1 0,-3-1 0,3 1 0,-3 1 0,3-2 0,-2 2 0,1-1 0,-1 1 0,-1-2 0,0 1 0,0 1 0,0 0 0,0-1 0,1 2 0,0-2 0,1 1 0,0 0 0,-2 0 0,3 0 0,-3-2 0,3 1 0,-3 0 0,0 2 0,0-3 0,0 3 0,0-1 0,2-3 0,-2 3 0,2 1 0,-2-1 0,1 1 0,1-1 0,-1 0 0,-1 0 0,0 1 0,0-4 0,0 3 0,0 0 0,0-3 0,0 4 0,0-2 0,0-1 0,0 2 0,0-3 0,0-1 0,0-2 0,1-1 0,0 1 0,1 1 0,-2-1 0,0 0 0,0-1 0,0 1 0,0-3 0,0 2 0,0-1 0,2 1 0,-2 2 0,2-4 0,-2 3 0,1-4 0,2 5 0,-1-2 0,0 1 0,-2 1 0,0-1 0,1 1 0,1 0 0,0-3 0,0 2 0,1-2 0,-2 2 0,1-1 0,-2 2 0,4 1 0,-4-1 0,2-1 0,-1-2 0,2 1 0,-1-1 0,-1 2 0,2-1 0,-3 2 0,4-2 0,-4 1 0,1 2 0,-1-2 0,3-1 0,-3 1 0,2-4 0,-1 5 0,-1-4 0,3 4 0,-1-1 0,0 0 0,1 0 0,0-2 0,-2 3 0,-1 0 0,0-2 0,3 2 0,-3-1 0,4-1 0,-4 0 0,2 3 0,-2-3 0,0 1 0,0-2 0,0 2 0,0-1 0,1 2 0,1-3 0,0 2 0,-1-1 0,0 1 0,-1-2 0,0 3 0,0-1 0,3 0 0,-3 0 0,1 1 0,-1-2 0,2 3 0,-2 1 0,3 0 0,-3 2 0,0 2 0,0-1 0,0-1 0,1 4 0,1-2 0,4 5 0,-4-6 0,2 4 0,-4-4 0,3 4 0,-1-4 0,-1 3 0,-1-3 0,0 0 0,0-2 0,2 4 0,-2-2 0,1 2 0,-1-3 0,0 1 0,0-1 0,0-1 0,3 2 0,-3-1 0,1 2 0,-1 0 0,0-1 0,0-1 0,0-1 0,0 2 0,0 0 0,0-2 0,0 1 0,0 0 0,0 0 0,0 0 0,0 0 0,0 1 0,0-3 0,0 4 0,0-2 0,-1-1 0,1 2 0,-3 0 0,3-3 0,0 3 0,0-1 0,0 0 0,0 0 0,0-2 0,0-4 0,0 0 0,0-2 0,0 4 0,0-4 0,0 3 0,0-1 0,3-2 0,-2 0 0,3 0 0,0-2 0,-2-2 0,0 2 0,1-1 0,0 3 0,-2 2 0,4-4 0,-5 7 0,3-3 0,-3-3 0,0-1 0,0 3 0,0-2 0,0 4 0,1-1 0,-1 1 0,3-2 0,-2 3 0,4-1 0,-5 1 0,0-2 0,0 1 0,5-3 0,-5 4 0,5-3 0,-5 2 0,3 1 0,-2 0 0,0-1 0,0 2 0,1-2 0,-1 1 0,0-1 0,-1 2 0,0-4 0,0 3 0,0-1 0,0 0 0,0 2 0,0-2 0,0 0 0,0 2 0,0-1 0,0-1 0,0 1 0,2-3 0,0 1 0,1-1 0,-2 3 0,-1-1 0,0 2 0,0-3 0,0 0 0,0 3 0,0-4 0,0 4 0,0-3 0,2 1 0,-2 0 0,2-1 0,-2 4 0,0-5 0,3 4 0,-3-6 0,3 5 0,-2-4 0,0 3 0,-1-2 0,0 2 0,0 0 0,0 2 0,2-4 0,-2 2 0,2-2 0,-2 2 0,0-1 0,3 1 0,-2-1 0,1 2 0,2-2 0,-3 3 0,0-3 0,-1 2 0,1-1 0,0-1 0,1 1 0,0 0 0,-2 2 0,1-3 0,2 2 0,-3 0 0,3-1 0,-3 2 0,0-1 0,0-1 0,3 1 0,-1 1 0,0-1 0,0 0 0,-1-1 0,-1 1 0,3-1 0,-3 1 0,1 1 0,-1 2 0,0 2 0,0 4 0,0-3 0,0 2 0,0-3 0,0 4 0,0 0 0,0 1 0,0-3 0,2 0 0,-2-2 0,2 0 0,-2 1 0,0 1 0,0-1 0,0 1 0,0-3 0,0 2 0,0-3 0,0 3 0,0-3 0,0 3 0,0-1 0,0 3 0,0-4 0,0 4 0,0-4 0,0 5 0,0-4 0,0 1 0,0-1 0,2 0 0,-2 1 0,2-1 0,-2 0 0,0 1 0,0 1 0,0 2 0,0-1 0,0-1 0,0-3 0,0 1 0,0 1 0,0 1 0,0-2 0,0 3 0,0-4 0,0 3 0,0-2 0,0 0 0,0 0 0,0 0 0,0 0 0,0 2 0,0-1 0,0-1 0,0 0 0,0 1 0,0-1 0,0 2 0,0-4 0,0 2 0,0-1 0,0-1 0,0 2 0,0 0 0,0-2 0,0 2 0,0-1 0,0-1 0,0 1 0,0 1 0,0-1 0,0 1 0,2 1 0,-2-2 0,3 2 0,-3-3 0,0 2 0,0 0 0,0 0 0,0-1 0,1 2 0,0-1 0,0 2 0,-1-2 0,1 2 0,0-3 0,2 3 0,-3-2 0,0 0 0,0-1 0,0 1 0,0 0 0,0 3 0,0-4 0,0 5 0,0-4 0,0 2 0,0-2 0,0-2 0,0 2 0,0-1 0,0-1 0,0 3 0,0 0 0,0-1 0,1-2 0,-1 2 0,2-1 0,-2 1 0,0-2 0,0 2 0,0-1 0,0-1 0,0 2 0,0-1 0,0 0 0,0 1 0,0-1 0,0 1 0,0-1 0,0 0 0,0 0 0,0 1 0,0-2 0,0 1 0,0 1 0,0 0 0,0-2 0,0 1 0,0 1 0,0-2 0,0 1 0,0-2 0,-2 0 0,2-3 0,-1 1 0,1-1 0,0-1 0,0 1 0,3-3 0,3 0 0,0 1 0,0-1 0,-5 1 0,2 3 0,-3-2 0,3 1 0,2-2 0,-2 1 0,3-1 0,-3 2 0,0 0 0,-3 1 0,4-2 0,-1 3 0,-2-2 0,1 0 0,0 1 0,-1-1 0,1-1 0,-1 2 0,0-1 0,3 0 0,-4 1 0,3-1 0,-3 0 0,2 1 0,0 0 0,-2 0 0,4 1 0,-4-2 0,3 2 0,-3-3 0,4 2 0,1 0 0,-3-1 0,3-1 0,-2 2 0,0-3 0,1 1 0,2 0 0,-3 1 0,3-2 0,-4 3 0,1 0 0,-1 1 0,-1-2 0,1 2 0,2-4 0,-4 4 0,4-3 0,-3 2 0,2 0 0,0 0 0,0-3 0,-1 4 0,3-4 0,-4 3 0,3-2 0,-2 2 0,3-2 0,-5 1 0,3 0 0,-3 0 0,2 2 0,0-2 0,-2 1 0,2 0 0,0-1 0,0-1 0,0 2 0,0-2 0,-2 4 0,0 3 0,0 0 0,0 3 0,2-1 0,0-2 0,1 7 0,-2-6 0,3 4 0,-3-5 0,4 4 0,-5-4 0,1 3 0,-1-3 0,0 3 0,0-3 0,0 3 0,2-3 0,-1 1 0,0-1 0,1 0 0,-1-1 0,0 3 0,-1-2 0,0 3 0,0-5 0,0 2 0,0 1 0,3-4 0,-3 3 0,1-1 0,-1 0 0,0 0 0,2 0 0,-2 1 0,2 0 0,-2 0 0,3 0 0,-3 0 0,3 0 0,-3-1 0,2 1 0,-2-1 0,0 1 0,2-2 0,-2 2 0,2-1 0,-2 0 0,0 1 0,2-1 0,-2 1 0,2 0 0,-2-1 0,0 1 0,0 0 0,0-2 0,0 1 0,0 1 0,0-2 0,0 2 0,0-1 0,0-1 0,0 2 0,0-1 0,0 0 0,0 0 0,0-2 0,0-2 0,0-4 0,2-2 0,-1 0 0,2 0 0,-3 1 0,0 4 0,0-6 0,3 5 0,-2-7 0,1 3 0,0-3 0,1 3 0,3-4 0,-2 5 0,-2-1 0,-2 5 0,0-2 0,0 2 0,0-1 0,0 1 0,0-2 0,0 3 0,1-5 0,-1 4 0,4 0 0,-2 0 0,-1 1 0,-1 1 0,0-2 0,0 0 0,2 0 0,2 0 0,-4 1 0,1 1 0,-1-2 0,0 0 0,0 1 0,0-2 0,0 3 0,0-1 0,0-1 0,0 1 0,0 1 0,0-2 0,0 2 0,0-3 0,0 1 0,3 0 0,-3 3 0,2-4 0,-2 1 0,0-1 0,0 2 0,1-3 0,-1 3 0,3-3 0,-1 2 0,1-1 0,-2 2 0,0-1 0,-1 1 0,0-2 0,0 1 0,3-1 0,-3 1 0,3-1 0,0 1 0,-3 1 0,1 0 0,-1-3 0,3 2 0,-1-2 0,-1 3 0,-1 0 0,0-1 0,2 0 0,-1 3 0,0-4 0,-1 1 0,0 1 0,0-1 0,0 1 0,0 0 0,2-2 0,-2 3 0,1-3 0,-1 1 0,0 1 0,0-2 0,3 3 0,-3-1 0,2 0 0,-2-1 0,0 2 0,2-3 0,-2 1 0,3-1 0,-3 2 0,0 1 0,0-1 0,0-2 0,0 1 0,0-1 0,3 0 0,-3 1 0,0 1 0,0 0 0,0-1 0,0 0 0,0 1 0,0 2 0,0 2 0,0 1 0,0 3 0,0-4 0,0 5 0,0-4 0,0 4 0,1-4 0,0 4 0,1-4 0,-2 0 0,0 0 0,0 0 0,0-1 0,0-1 0,0 1 0,0 2 0,0-1 0,0 2 0,0-3 0,0 2 0,0-2 0,0 3 0,0-4 0,0 5 0,0-4 0,0 4 0,0-4 0,0 3 0,0-2 0,0 0 0,0 0 0,0 0 0,0-1 0,0 1 0,0-1 0,0 1 0,0 0 0,0 0 0,0-1 0,0 3 0,0-2 0,0 0 0,0 0 0,0 0 0,0 0 0,0 2 0,0-1 0,0-1 0,0-1 0,0 2 0,0 0 0,0-1 0,0-1 0,0 4 0,0-2 0,0 4 0,0-5 0,0 2 0,0-4 0,0 5 0,0-1 0,0 1 0,0-4 0,0 3 0,0-3 0,0 2 0,0-1 0,0 1 0,0-1 0,0 2 0,0-3 0,0 2 0,0-3 0,0 3 0,0-1 0,0 2 0,0-2 0,0 1 0,0-1 0,0 0 0,0 1 0,0-1 0,0 0 0,0 0 0,0 1 0,0-1 0,0-1 0,0 2 0,0-3 0,0 2 0,0 0 0,0 1 0,0-1 0,0 3 0,0-4 0,0 2 0,0 0 0,0 0 0,0-2 0,0 2 0,0-3 0,0 1 0,0 1 0,0-2 0,0 3 0,0 0 0,0-1 0,0 2 0,0-3 0,0 1 0,0 0 0,0 1 0,0 0 0,0-1 0,0 0 0,0-1 0,0 1 0,0 1 0,0-3 0,0 1 0,0 1 0,0-1 0,0 0 0,0 0 0,0-1 0,0 1 0,2-5 0,-2 1 0,1-2 0,2-1 0,-1 1 0,3 0 0,-5 2 0,3-1 0,1-2 0,-2 3 0,-1-2 0,2 3 0,-3-1 0,3-1 0,0-1 0,1-2 0,0 3 0,2-3 0,-6 3 0,3-2 0,-3 1 0,3 1 0,-3 0 0,0 1 0,0 0 0,0-1 0,0 0 0,0-1 0,1 1 0,-1-1 0,2 2 0,-2-1 0,1 1 0,1 1 0,-1-2 0,0-1 0,1 3 0,1-5 0,-3 4 0,1-2 0,2 2 0,-3-2 0,4 2 0,-2-5 0,5 1 0,-4-1 0,1 3 0,-2 1 0,0 3 0,-2-5 0,2 0 0,-1 2 0,-1-2 0,0 2 0,0 2 0,0-3 0,3 2 0,-3-3 0,4 2 0,-3 0 0,1 0 0,-2 0 0,3-1 0,-3 1 0,0 1 0,3 0 0,-3 1 0,0-2 0,1 0 0,1 3 0,-1 0 0,-1 6 0,0-3 0,0 2 0,0-3 0,0 3 0,0-1 0,2 4 0,-1-5 0,2 6 0,-3-5 0,0 2 0,0-1 0,0 5 0,2-3 0,-2 4 0,2-6 0,-2 4 0,0-7 0,0 4 0,0-2 0,0 0 0,0-1 0,1 2 0,0 1 0,2-1 0,-3-3 0,5 4 0,-5-4 0,1 4 0,-1-3 0,0 0 0,0 0 0,0 1 0,0 1 0,2 0 0,-2-2 0,3-3 0,-3 3 0,0-1 0,0 1 0,0 0 0,1 0 0,2 2 0,-1-2 0,-1 1 0,-1-1 0,0 1 0,1-2 0,1 2 0,2-3 0,-4 1 0,0-1 0,0-1 0,3-1 0,-1-4 0,3 1 0,-2 0 0,5-3 0,-6 4 0,9-6 0,-9 6 0,5-6 0,1 3 0,-3 1 0,4-4 0,-4 4 0,1-2 0,1-5 0,-2 9 0,0-6 0,-1 7 0,-3-3 0,1 2 0,4-4 0,-4 3 0,2-3 0,0 4 0,-2 0 0,1-1 0,0 1 0,0-1 0,0-2 0,-3 4 0,4-2 0,-4 3 0,3-2 0,0 0 0,-2-1 0,3 2 0,-3 0 0,0-1 0,1 0 0,-2 1 0,2 0 0,1-1 0,-3 1 0,3-2 0,-3 2 0,2-1 0,1-1 0,-3 2 0,3-3 0,-2 2 0,0-1 0,3 1 0,-3 0 0,4 0 0,-5 0 0,2 2 0,-2-2 0,0 1 0,2 0 0,-2 1 0,2-1 0,-2 2 0,0 3 0,0 0 0,0 4 0,0 0 0,0-4 0,0 8 0,3-5 0,-3 1 0,3 2 0,-3-7 0,0 7 0,0-5 0,0 4 0,3 2 0,-3 0 0,2 3 0,-2-7 0,2 3 0,-2-5 0,2 2 0,-2-3 0,2 2 0,1-2 0,0 2 0,-1-2 0,4 3 0,-6-3 0,6 4 0,-4-4 0,0 0 0,2 0 0,-1 2 0,0-2 0,3 3 0,-4-6 0,1 5 0,2-2 0,-3 2 0,-1-3 0,1 2 0,-1-1 0,3 0 0,-4 1 0,4 0 0,-4-2 0,1 2 0,1-3 0,-2 3 0,3-2 0,-2-1 0,0 2 0,4 1 0,-5-1 0,3 0 0,0 0 0,-3-2 0,3 1 0,-2 2 0,-1-2 0,2 1 0,-2-1 0,2 1 0,-2-3 0,2-2 0,-2 0 0,0-4 0,0 3 0,0-7 0,0 4 0,0-2 0,0 1 0,0 0 0,0 0 0,0 2 0,0-3 0,0 6 0,0-5 0,0 0 0,0 1 0,0-3 0,0 4 0,0-2 0,0 1 0,0 2 0,0-2 0,0 2 0,0-2 0,0-2 0,0 3 0,0-5 0,0 6 0,0-4 0,0 4 0,0-3 0,0 4 0,0-4 0,0 5 0,0-4 0,0 2 0,0-6 0,0 8 0,0-6 0,0 5 0,0-4 0,0 4 0,0-2 0,2 1 0,0-2 0,1 2 0,-3-5 0,0 6 0,0 0 0,0-1 0,0-2 0,0 3 0,0-4 0,0 5 0,0-1 0,0 1 0,0-2 0,0 2 0,0-3 0,0 3 0,0-2 0,0 1 0,0 0 0,0 1 0,0 1 0,0-4 0,0 3 0,0-1 0,0 0 0,0 2 0,0-4 0,0 2 0,0-1 0,0 2 0,0-4 0,0 5 0,0-7 0,0 5 0,0-14 0,0 11 0,0-12 0,0 14 0,0-5 0,0 5 0,0-4 0,0 3 0,0-1 0,0 5 0,0-1 0,0 2 0,0 0 0,0 17 0,0-8 0,0 10 0,0 2 0,0-4 0,0 15 0,0-18 0,0 8 0,0-14 0,0 26 0,0-14 0,0 11 0,3-17 0,1-5 0,0-3 0,-2 2 0,-2-4 0,1 2 0,-1-2 0,3 4 0,-3-6 0,1 3 0,0-2 0,2 2 0,-3-3 0,5 2 0,-5-3 0,1 2 0,-1 4 0,0-2 0,2 2 0,-2-6 0,5 6 0,-5-5 0,5 4 0,-5-3 0,4 3 0,-3-4 0,2 5 0,-2-6 0,1 4 0,-2-1 0,0 1 0,0-3 0,0 0 0,0 2 0,3-3 0,-3 2 0,1-1 0,1-1 0,-2 2 0,3 1 0,-3-2 0,1 3 0,-1-4 0,3 2 0,-3-1 0,1-1 0,0 1 0,1 2 0,-2-2 0,1 0 0,4 0 0,-5 1 0,3-1 0,-3 0 0,3-1 0,-3 1 0,0 0 0,1 0 0,-1 1 0,4 1 0,-3-4 0,0 4 0,0-1 0,1-1 0,-1-3 0,-1 0 0,2-3 0,-2 1 0,2 0 0,0-2 0,-2 2 0,2-2 0,3-2 0,1-1 0,-1-1 0,1-2 0,-6 5 0,3-3 0,-1 6 0,3-2 0,-5 1 0,3-1 0,-3 1 0,4 0 0,-4 1 0,3-2 0,0 2 0,-1 0 0,0 0 0,-2 1 0,0-1 0,0 1 0,0 0 0,0 1 0,0-2 0,0 1 0,0 0 0,0 0 0,0-1 0,3 2 0,-3-2 0,3 0 0,-3 2 0,1-2 0,2-1 0,-3 2 0,2-2 0,-1 2 0,2-4 0,1 5 0,-1-4 0,-1 3 0,3-2 0,-5 2 0,3-2 0,-3 1 0,4 0 0,-2 0 0,2-1 0,-1 1 0,-3-1 0,3 1 0,-3 0 0,4-1 0,-4 2 0,3-1 0,-1 1 0,-1-1 0,2 3 0,-2-3 0,-1 0 0,0 2 0,0-2 0,3 1 0,-3-2 0,0 2 0,3-3 0,-3 3 0,3-1 0,-3 0 0,0 1 0,0 0 0,0-1 0,0 1 0,0-4 0,0 5 0,0-4 0,0 3 0,0 0 0,0-1 0,0-1 0,0 1 0,-3 0 0,3-1 0,-3 0 0,1 1 0,1-1 0,1 3 0,0-1 0,0-2 0,0 1 0,0 1 0,0-1 0,0 1 0,0 0 0,0-2 0,-1 3 0,-2-2 0,3 1 0,0 0 0,0 1 0,0 2 0,0 3 0,0 0 0,0-1 0,0 0 0,0-1 0,0 3 0,0-3 0,0 1 0,0 1 0,3 1 0,-2 0 0,-1-2 0,0 0 0,0 0 0,0 0 0,0 1 0,0-3 0,0 3 0,0-2 0,0 4 0,0-4 0,1 3 0,1-3 0,-2 2 0,0-2 0,0 3 0,0-2 0,0 2 0,0-1 0,0 2 0,0-4 0,0 7 0,0-5 0,0 0 0,0 0 0,0 0 0,0 0 0,0 0 0,0-1 0,0 2 0,0-1 0,0 3 0,0-4 0,0 5 0,0-7 0,3 6 0,-3-5 0,0 2 0,0-3 0,0 3 0,0-1 0,4 0 0,-4-1 0,2 2 0,-2-1 0,1-1 0,-1 1 0,3 0 0,-3-2 0,0 3 0,0-2 0,0 0 0,1 0 0,-1 0 0,2-1 0,0 3 0,-1-3 0,0 1 0,-1 1 0,2-2 0,-1 2 0,2 0 0,-1 0 0,-2-1 0,0 0 0,3 1 0,-1 0 0,2-1 0,-3-1 0,1 1 0,-2 0 0,0-1 0,0 1 0,2 1 0,-2 2 0,1-1 0,2-1 0,-3-1 0,1-2 0,-1 2 0,0 1 0,0-1 0,2-1 0,-2 2 0,4-1 0,-4-1 0,0 1 0,0 2 0,0-4 0,3 3 0,-3 0 0,0-3 0,0 3 0,0 0 0,0-2 0,0 2 0,0-1 0,0 0 0,0 0 0,0 0 0,0 1 0,0-3 0,0 3 0,0 0 0,0-2 0,0 1 0,0-2 0,-3 0 0,3-2 0,0 2 0,0-5 0,0 3 0,0-3 0,0 1 0,0-1 0,0 3 0,0-1 0,0-5 0,0 4 0,0-6 0,0 6 0,0-2 0,0 2 0,0 1 0,0 0 0,0 0 0,3 1 0,-3-3 0,2 2 0,1-1 0,-2 1 0,0 1 0,-1-2 0,4 0 0,-3-1 0,3 1 0,-3 0 0,2-1 0,1 1 0,-2 0 0,2 0 0,-4 0 0,1-1 0,2-2 0,-3 3 0,4-5 0,-4 6 0,2-6 0,-2 6 0,0-4 0,0 5 0,0-2 0,0 2 0,3-4 0,-3 5 0,4-7 0,-4 5 0,2-3 0,-2 3 0,1 0 0,2-1 0,-1 1 0,0-3 0,-1 2 0,1 1 0,0 0 0,3 1 0,-5-2 0,3 1 0,0-1 0,-2 1 0,2 0 0,-3 1 0,0-1 0,3 0 0,0-1 0,-3 1 0,0-2 0,0 2 0,4-5 0,-4 5 0,5-9 0,-4 9 0,3-5 0,-4 6 0,0-4 0,2 2 0,-2-4 0,2 1 0,1-1 0,-1 6 0,2-4 0,-4 5 0,0-2 0,0 0 0,0 1 0,1-2 0,1-1 0,1 2 0,-2-3 0,-1 5 0,0-4 0,0 3 0,0 0 0,0-1 0,0-1 0,1 2 0,0-3 0,3 1 0,-4 2 0,1-2 0,2 1 0,-3 3 0,3-3 0,-2 0 0,1 3 0,2-4 0,-2 1 0,-1 2 0,2-4 0,-2 2 0,1-1 0,2 1 0,-4 1 0,4 0 0,-2 0 0,-2 1 0,2-3 0,-1 2 0,3-2 0,-4 1 0,1 1 0,1-1 0,-2 1 0,3 0 0,-2 0 0,2 0 0,-3-2 0,3 4 0,-3-3 0,0 1 0,0 2 0,0 2 0,0 1 0,0 1 0,0-1 0,0 0 0,0-1 0,0 1 0,0 7 0,0-5 0,0 5 0,0-7 0,0 0 0,2-2 0,-1 5 0,3 0 0,-4-1 0,1-3 0,-1 2 0,0-2 0,0 3 0,0-2 0,0 7 0,0-6 0,0 4 0,0-4 0,0 1 0,0-2 0,2 0 0,-2-1 0,5 6 0,-3-5 0,1 5 0,-2-3 0,1 2 0,-1 0 0,-1 2 0,0-1 0,0-2 0,0-2 0,0 1 0,0 2 0,1-2 0,1 1 0,-2-1 0,0-2 0,3 1 0,-2 0 0,5 3 0,-5-4 0,2 3 0,-2-5 0,4 8 0,-3-5 0,2 8 0,-4-7 0,0 5 0,0-5 0,1 2 0,2-4 0,1 0 0,-3-1 0,4 5 0,-5-5 0,3 4 0,-2-3 0,-1 2 0,2-2 0,-2 1 0,1 1 0,1-3 0,-1 3 0,-1-3 0,0 1 0,0 1 0,0-2 0,0 3 0,3 2 0,-1-4 0,0 3 0,1-2 0,-3 1 0,0-3 0,0 1 0,0-2 0,0 2 0,0 0 0,0 0 0,0 1 0,0 0 0,1 3 0,0-4 0,1 1 0,-2-2 0,0 1 0,0 2 0,1-1 0,0-1 0,3 0 0,-4-2 0,1 0 0,-1 2 0,0 0 0,2-3 0,-2 3 0,3 0 0,-3-2 0,0 1 0,1 0 0,2 0 0,-1 0 0,-1 1 0,0-2 0,1 0 0,1-1 0,-3 3 0,2-5 0,0 2 0,-2-2 0,6-4 0,-6 3 0,4-6 0,-3 6 0,4-7 0,-2 7 0,1-6 0,-1 5 0,-1-1 0,-1 3 0,0-3 0,2 1 0,-3-4 0,2 6 0,-2-4 0,0 3 0,0-4 0,0 4 0,0 0 0,0-1 0,0 1 0,0 3 0,2-4 0,-1 1 0,4-4 0,-1 3 0,-1-5 0,0 6 0,-1-5 0,-2 6 0,1-6 0,-1 5 0,2-3 0,-2 3 0,0 0 0,0 0 0,3-1 0,-1 1 0,2 0 0,-2 1 0,1-1 0,-2 1 0,1-1 0,0 2 0,-1-2 0,1 1 0,1 1 0,-3-2 0,0 1 0,1 0 0,-1 0 0,4 0 0,-3-1 0,2 2 0,-2-2 0,0 1 0,2 1 0,-2-2 0,4 1 0,-2-1 0,1 0 0,0 2 0,-1-2 0,0 0 0,-3 1 0,4 1 0,-4 1 0,2 1 0,-1 1 0,-1 1 0,3 1 0,-3-2 0,2 5 0,-2-4 0,4 4 0,-4-4 0,0 2 0,0 1 0,0-1 0,0 1 0,0-3 0,0 2 0,0-1 0,0 0 0,0 1 0,0-3 0,0 6 0,0-5 0,0 6 0,0-5 0,0 2 0,0-4 0,0 3 0,1-1 0,-1 0 0,2 0 0,-1 4 0,-1-5 0,4 4 0,-4-1 0,1-2 0,0 3 0,0-6 0,-1 2 0,0 0 0,0-1 0,0 2 0,0-2 0,0 5 0,0-5 0,0 3 0,0-3 0,0 1 0,0-1 0,0 1 0,0-2 0,0 2 0,0 0 0,0 0 0,0 2 0,0-2 0,0 0 0,0-3 0,0 4 0,0-1 0,0 0 0,0 0 0,2 1 0,-2-1 0,3-1 0,-3 0 0,0 0 0,0 0 0,0 1 0,1-3 0,-1 0 0,2 0 0,-2-3 0,0-2 0,0 2 0,4-11 0,-1 2 0,5-18 0,-3 9 0,2-8 0,-1 5 0,0 8 0,-2-2 0,0-1 0,-4 10 0,4-17 0,-1 16 0,1-14 0,2 15 0,-3-2 0,1 2 0,-1 2 0,2 0 0,-3-5 0,-2 9 0,0-9 0,0 7 0,0-1 0,3 0 0,-3 3 0,2-3 0,-2 0 0,0 3 0,0-5 0,0 5 0,0-5 0,0 6 0,0-7 0,0 5 0,2 0 0,-2 2 0,3-3 0,-3 2 0,1 0 0,-1 0 0,3 3 0,-3-4 0,0 1 0,1 3 0,-1-3 0,2-1 0,-2 2 0,0 0 0,0 0 0,0 1 0,2-3 0,-1 2 0,0-3 0,1 3 0,-2-4 0,2 5 0,-2-1 0,0-2 0,0 4 0,0 4 0,3-2 0,-3 1 0,4 2 0,-2-2 0,5 7 0,-7-8 0,4 6 0,-2-3 0,1 2 0,3 6 0,-3-3 0,7 13 0,-4-8 0,1 5 0,1 1 0,2 3 0,2 7 0,-6-19 0,-2 2 0,-4-10 0,3 9 0,-1-10 0,-2 4 0,5-3 0,-5 2 0,1-1 0,-1-3 0,0 1 0,0 3 0,0-2 0,2 1 0,-1-3 0,0 1 0,1 0 0,0 2 0,1-3 0,-2 2 0,1-1 0,-2 0 0,2 0 0,0 1 0,-2 2 0,2 0 0,-2-1 0,0-2 0,1 2 0,1-1 0,-1 0 0,1 1 0,-1-4 0,2 6 0,0-4 0,0 1 0,-1-1 0,1 0 0,-3 0 0,3 0 0,-3-1 0,0 0 0,0 1 0,0-1 0,1 0 0,0 0 0,0 1 0,-1-1 0,0 1 0,0-1 0,0 1 0,0-2 0,0 2 0,3-1 0,-3-1 0,4 2 0,-4-1 0,1 1 0,-1-2 0,0 1 0,0 1 0,0-3 0,0 4 0,0-2 0,0-1 0,0 2 0,0-1 0,0-1 0,0 2 0,0-1 0,0 0 0,0-2 0,0-2 0,0 0 0,3-4 0,-3 3 0,2-1 0,-2 1 0,2-3 0,-2 1 0,6-1 0,-6 0 0,1 3 0,5-9 0,-6 7 0,7-8 0,-4 9 0,3-2 0,-4 3 0,5-6 0,-5 7 0,0-4 0,-1 3 0,-1-1 0,0 1 0,0-3 0,3 4 0,-3-3 0,2 2 0,-2 0 0,0 0 0,2 1 0,-2 0 0,3 0 0,1-3 0,0 1 0,-2 0 0,-2 2 0,3-1 0,-3 1 0,2-1 0,-2 1 0,0 0 0,0 0 0,0-1 0,0 0 0,0 0 0,0 1 0,0-3 0,0 2 0,0 2 0,0-2 0,0 0 0,0 0 0,0 1 0,0 0 0,0-2 0,0 1 0,0 0 0,0 1 0,0 0 0,0 0 0,0 0 0,0 0 0,0 2 0,0 1 0,2 1 0,-2 1 0,3-1 0,-3 0 0,3 0 0,-1 2 0,0-2 0,0 2 0,-2-2 0,4 2 0,-1-1 0,0 1 0,4 4 0,-4-4 0,3 3 0,-4-4 0,3 3 0,-5-4 0,5 3 0,-2-4 0,-1 3 0,2-2 0,0 3 0,-2-2 0,2 2 0,1 1 0,-2-3 0,1 2 0,-3-1 0,-1-1 0,0 0 0,0 2 0,1 0 0,1 1 0,-1 1 0,-1-4 0,0 1 0,0-2 0,2 5 0,-1-4 0,2 2 0,0-3 0,-2 3 0,-1-2 0,2 2 0,-2-2 0,0 0 0,1 0 0,2 0 0,-1-1 0,0 0 0,-2 1 0,0-2 0,0 3 0,0-1 0,0 0 0,0 0 0,0-2 0,0 2 0,0-2 0,0 1 0,0 1 0,0 0 0,0-2 0,0 2 0,3-1 0,-3-1 0,0 2 0,0-1 0,3 0 0,-3-2 0,4-2 0,-4 0 0,2-2 0,-1 2 0,0-1 0,2 1 0,-2 0 0,4-1 0,-5 0 0,5-4 0,-3 5 0,1-2 0,-2 1 0,5-2 0,-5 2 0,7-4 0,-5 4 0,1-3 0,-1 4 0,1-3 0,-2 2 0,2-1 0,-4 1 0,5-2 0,-4 1 0,4 0 0,-2 1 0,0-2 0,2 3 0,-2-3 0,1 3 0,1-2 0,-3 2 0,2-2 0,0 0 0,1-1 0,-2 2 0,1-2 0,-3 3 0,2-4 0,2 3 0,-4 0 0,3-1 0,-2 0 0,3-1 0,-2-1 0,0 3 0,0-1 0,0 2 0,-1-2 0,0 1 0,-1 0 0,0 0 0,4-1 0,-4 1 0,3 0 0,-4 0 0,0 2 0,0-2 0,0 0 0,0-1 0,0 2 0,0 0 0,0-2 0,0 1 0,0 1 0,0-1 0,0 0 0,0 0 0,0 0 0,0 2 0,0-2 0,0-1 0,0 2 0,0 0 0,0 0 0,0-1 0,0 2 0,0 0 0,0 2 0,0 2 0,0 0 0,0 0 0,0-1 0,0 4 0,0-2 0,0 6 0,0 0 0,0 2 0,0-5 0,2 1 0,1 1 0,3 1 0,-2 3 0,-1-5 0,-3-2 0,4-1 0,-1-2 0,1 6 0,0-4 0,0 2 0,-3-3 0,0 1 0,2-2 0,0 3 0,0-5 0,1 4 0,-4-3 0,3 3 0,0-1 0,1 1 0,-2-2 0,2-1 0,-4 1 0,2-1 0,-2-1 0,0 1 0,0 1 0,1 0 0,2 0 0,-2 0 0,2 1 0,-3-2 0,0-1 0,0 2 0,0 0 0,0 0 0,0 2 0,0-2 0,3 1 0,-3-1 0,7 2 0,-7-3 0,3 1 0,0 0 0,-3 0 0,1-1 0,-1 1 0,3-3 0,-1 3 0,0 0 0,0-2 0,-1 0 0,-2-2 0,-1-6 0,1 4 0,1-3 0,0-3 0,1 3 0,1-4 0,-1 4 0,4-6 0,-3 0 0,5-4 0,0 6 0,-4 1 0,0 3 0,-2 1 0,1 0 0,1 2 0,2-5 0,-2 3 0,-2-1 0,3-1 0,-1 5 0,-2-3 0,1 3 0,-2-1 0,2 0 0,-2 2 0,2-1 0,0-1 0,-2 1 0,2 1 0,0-2 0,-1 0 0,4 0 0,-3-2 0,-1 4 0,2-2 0,-3 2 0,2-2 0,-2 1 0,0 0 0,0-1 0,0 2 0,1-1 0,-1-1 0,3 2 0,-3-2 0,2 1 0,-2-1 0,1 2 0,-1-1 0,2 0 0,-1 0 0,2-2 0,-1 2 0,1-1 0,-2 1 0,-1-1 0,2 1 0,-2 0 0,3-1 0,-3 1 0,0-1 0,0 0 0,1 2 0,-1-1 0,3-1 0,-3 2 0,0-1 0,0 2 0,0 1 0,0 1 0,0 6 0,0 2 0,0-1 0,0 4 0,0-6 0,0 2 0,0-1 0,0-1 0,0 5 0,0-5 0,0 13 0,0-5 0,0 15 0,0-17 0,0 7 0,2-12 0,1-1 0,0 4 0,1-4 0,-2-1 0,-2 0 0,0-1 0,0 2 0,0-2 0,0 5 0,0-4 0,0 1 0,0-4 0,0 1 0,3-1 0,-3 1 0,1-2 0,-1 1 0,0 1 0,0-2 0,0 3 0,0-4 0,3 2 0,-3-1 0,4 0 0,-4 1 0,2 0 0,-2 3 0,0-4 0,0 3 0,0-2 0,1 0 0,-1 0 0,3 2 0,-3-3 0,0 1 0,0-1 0,1 2 0,0-1 0,2 3 0,-3-4 0,2 1 0,-2 0 0,0 1 0,0-1 0,0 0 0,3 0 0,-3 0 0,2 0 0,-2 2 0,0-4 0,0 2 0,0 0 0,0 0 0,0-1 0,2 2 0,0-2 0,3 0 0,-3 1 0,2-2 0,-2 1 0,0 2 0,-1-2 0,-1-1 0,3 2 0,-3 0 0,2-2 0,-2 2 0,2-1 0,-2-2 0,0-2 0,0-2 0,0 1 0,0-1 0,0-2 0,4-2 0,-3 0 0,5-6 0,-5 4 0,2-3 0,-3 7 0,3-5 0,-3 6 0,4-8 0,0 6 0,1-5 0,-2 7 0,-2-1 0,-1 2 0,2-1 0,-1-1 0,1-7 0,-1 7 0,1-8 0,2 8 0,1-1 0,-2 0 0,-1 2 0,-2 3 0,0-4 0,2-2 0,0 3 0,2-2 0,-1 1 0,-1 2 0,-1-2 0,2-1 0,0 3 0,2-5 0,-5 5 0,3-3 0,-3 0 0,0 3 0,3-4 0,-3 4 0,1-1 0,-1 0 0,2 2 0,-2-1 0,5-2 0,-3 1 0,3-3 0,-4 5 0,3-5 0,-4 5 0,3-3 0,-3 3 0,0 1 0,0 0 0,0 0 0,0 1 0,0-2 0,0 0 0,0 2 0,0-2 0,0 0 0,0 0 0,0-1 0,0 1 0,0-1 0,0 3 0,0-4 0,0 2 0,0-2 0,0 3 0,0-3 0,0 3 0,0-3 0,0 2 0,0-3 0,0 3 0,0 0 0,0-3 0,0 3 0,0-4 0,0 4 0,0-4 0,0 4 0,0-3 0,0 4 0,0-2 0,0 0 0,0 2 0,0-5 0,1 4 0,-1-2 0,3 1 0,-3 1 0,0 3 0,0 2 0,0 1 0,0 0 0,0 2 0,0-1 0,0 4 0,0-1 0,0 3 0,0 3 0,0 10 0,0-2 0,0 3 0,0-13 0,0 11 0,0-12 0,0 15 0,1-17 0,0 1 0,1-6 0,-2 2 0,0-3 0,0 2 0,0 0 0,0-2 0,2 0 0,0 3 0,-1-4 0,1 5 0,-2-4 0,0 0 0,0 1 0,0 0 0,0-3 0,0 3 0,2-1 0,-2 0 0,4 1 0,-4 0 0,4 0 0,-2-1 0,-1-1 0,1 2 0,1 0 0,-3-2 0,2 1 0,-2 2 0,0-3 0,0 3 0,0-1 0,0-3 0,0 3 0,2 0 0,-2-2 0,3 2 0,0 0 0,1-1 0,-1 1 0,-3-2 0,3 1 0,-3 0 0,1 0 0,1 0 0,-2 1 0,5 0 0,-5-2 0,3 3 0,-1-2 0,0 0 0,0 1 0,2-2 0,-1 0 0,1 1 0,-2-1 0,1 2 0,1-1 0,-1-1 0,0 1 0,-2 0 0,5 1 0,-6-1 0,4-1 0,-2-1 0,-2-1 0,4-6 0,-4 5 0,4-7 0,0 4 0,0 0 0,1-3 0,-3 5 0,5-8 0,-3 3 0,2 1 0,-2-3 0,0 3 0,1-3 0,2-3 0,0 3 0,3-5 0,-7 6 0,0 2 0,0 1 0,-2 2 0,2-1 0,-3-2 0,3 6 0,-3-7 0,0 4 0,0-3 0,0 4 0,0-4 0,0 6 0,0-3 0,0 2 0,4-2 0,-3 2 0,4-5 0,-5 4 0,0-1 0,0 1 0,3 0 0,1 0 0,-2 0 0,2 0 0,-4 0 0,4 0 0,-4 1 0,7-5 0,-6 4 0,9-5 0,-8 6 0,2-3 0,-4 2 0,0 0 0,3-1 0,0 1 0,0-3 0,-2 4 0,-1-1 0,2 0 0,0 1 0,0-2 0,-2 3 0,0-4 0,2 3 0,-1-1 0,0 3 0,-1-4 0,0 2 0,0 1 0,0-2 0,0 1 0,0 1 0,0-3 0,0 1 0,0 1 0,0-1 0,0 1 0,0-1 0,0 1 0,2-3 0,-2 3 0,4-2 0,-4 0 0,3 1 0,-3 1 0,0-1 0,1 0 0,1-1 0,2 2 0,-1 2 0,-2 2 0,1 2 0,-2-1 0,1 0 0,-1 2 0,0-2 0,0 4 0,0-2 0,0 4 0,0-6 0,0 9 0,0-7 0,3 8 0,-2-6 0,3 5 0,-3-9 0,4 8 0,-4-10 0,3 5 0,-4-4 0,2 2 0,0-1 0,2 4 0,-2-4 0,-1 2 0,-1-2 0,0 0 0,3 0 0,-2 2 0,1-4 0,-1 4 0,2-3 0,-1 4 0,0-4 0,2 2 0,0 2 0,0-2 0,2 4 0,-6-5 0,4 2 0,-4-3 0,0 1 0,0 0 0,0 0 0,0 1 0,0-1 0,3 2 0,-3-2 0,6 3 0,-4-3 0,2 3 0,-2-4 0,2 3 0,-4-1 0,3 0 0,0-1 0,1 2 0,-2-4 0,0 3 0,0-2 0,-1 1 0,1-1 0,6 3 0,-7-3 0,9 5 0,-10-5 0,4 3 0,-4-1 0,2 0 0,-1-3 0,2 1 0,-2 1 0,1 1 0,3-1 0,-3-3 0,2 3 0,-4 0 0,0-2 0,0 1 0,0 0 0,0 0 0,0 0 0,0 1 0,0-2 0,0 1 0,0 0 0,0 1 0,0-2 0,0 2 0,0 0 0,0-2 0,0 3 0,0-2 0,0 0 0,0 1 0,0-2 0,0 2 0,0 1 0,0-2 0,0 3 0,0-3 0,0 2 0,0-1 0,0 1 0,0-1 0,0-1 0,0 0 0,0 0 0,0 0 0,0-1 0,0-1 0</inkml:trace>
 </inkml:ink>
 </file>
 
@@ -3451,6 +3451,64 @@
       </p:grpSpPr>
       <p:pic>
         <p:nvPicPr>
+          <p:cNvPr id="42" name="Picture 41" descr="A picture containing text, clipart&#10;&#10;Description automatically generated">
+            <a:extLst>
+              <a:ext uri="{FF2B5EF4-FFF2-40B4-BE49-F238E27FC236}">
+                <a16:creationId xmlns:a16="http://schemas.microsoft.com/office/drawing/2014/main" id="{702B9AD1-0190-57F0-309A-10FB1F1371C8}"/>
+              </a:ext>
+            </a:extLst>
+          </p:cNvPr>
+          <p:cNvPicPr>
+            <a:picLocks noChangeAspect="1"/>
+          </p:cNvPicPr>
+          <p:nvPr/>
+        </p:nvPicPr>
+        <p:blipFill rotWithShape="1">
+          <a:blip r:embed="rId3"/>
+          <a:srcRect l="51938"/>
+          <a:stretch/>
+        </p:blipFill>
+        <p:spPr>
+          <a:xfrm>
+            <a:off x="2015312" y="3140980"/>
+            <a:ext cx="1524503" cy="3171931"/>
+          </a:xfrm>
+          <a:prstGeom prst="rect">
+            <a:avLst/>
+          </a:prstGeom>
+        </p:spPr>
+      </p:pic>
+      <p:pic>
+        <p:nvPicPr>
+          <p:cNvPr id="25" name="Picture 24">
+            <a:extLst>
+              <a:ext uri="{FF2B5EF4-FFF2-40B4-BE49-F238E27FC236}">
+                <a16:creationId xmlns:a16="http://schemas.microsoft.com/office/drawing/2014/main" id="{433F8668-2F6F-63A7-0157-F4879A5D2FD9}"/>
+              </a:ext>
+            </a:extLst>
+          </p:cNvPr>
+          <p:cNvPicPr>
+            <a:picLocks noChangeAspect="1"/>
+          </p:cNvPicPr>
+          <p:nvPr/>
+        </p:nvPicPr>
+        <p:blipFill>
+          <a:blip r:embed="rId4"/>
+          <a:srcRect/>
+          <a:stretch/>
+        </p:blipFill>
+        <p:spPr>
+          <a:xfrm>
+            <a:off x="3702374" y="3153147"/>
+            <a:ext cx="2528372" cy="3090232"/>
+          </a:xfrm>
+          <a:prstGeom prst="rect">
+            <a:avLst/>
+          </a:prstGeom>
+        </p:spPr>
+      </p:pic>
+      <p:pic>
+        <p:nvPicPr>
           <p:cNvPr id="23" name="Picture 22" descr="A picture containing background pattern&#10;&#10;Description automatically generated">
             <a:extLst>
               <a:ext uri="{FF2B5EF4-FFF2-40B4-BE49-F238E27FC236}">
@@ -3464,7 +3522,7 @@
           <p:nvPr/>
         </p:nvPicPr>
         <p:blipFill rotWithShape="1">
-          <a:blip r:embed="rId3">
+          <a:blip r:embed="rId5">
             <a:alphaModFix/>
           </a:blip>
           <a:srcRect l="50719" t="44536" r="15486" b="16308"/>
@@ -3472,37 +3530,8 @@
         </p:blipFill>
         <p:spPr>
           <a:xfrm>
-            <a:off x="4323350" y="1824969"/>
+            <a:off x="4134165" y="1824969"/>
             <a:ext cx="1395311" cy="1212505"/>
-          </a:xfrm>
-          <a:prstGeom prst="rect">
-            <a:avLst/>
-          </a:prstGeom>
-        </p:spPr>
-      </p:pic>
-      <p:pic>
-        <p:nvPicPr>
-          <p:cNvPr id="21" name="Picture 20" descr="A picture containing background pattern&#10;&#10;Description automatically generated">
-            <a:extLst>
-              <a:ext uri="{FF2B5EF4-FFF2-40B4-BE49-F238E27FC236}">
-                <a16:creationId xmlns:a16="http://schemas.microsoft.com/office/drawing/2014/main" id="{6F00A95D-7F19-67DC-9FFA-85499DF1C36D}"/>
-              </a:ext>
-            </a:extLst>
-          </p:cNvPr>
-          <p:cNvPicPr>
-            <a:picLocks noChangeAspect="1"/>
-          </p:cNvPicPr>
-          <p:nvPr/>
-        </p:nvPicPr>
-        <p:blipFill rotWithShape="1">
-          <a:blip r:embed="rId3"/>
-          <a:srcRect l="77" t="44536" r="49281" b="16308"/>
-          <a:stretch/>
-        </p:blipFill>
-        <p:spPr>
-          <a:xfrm>
-            <a:off x="2083168" y="1777685"/>
-            <a:ext cx="2196917" cy="1273976"/>
           </a:xfrm>
           <a:prstGeom prst="rect">
             <a:avLst/>
@@ -3667,10 +3696,10 @@
         </p:nvGrpSpPr>
         <p:grpSpPr>
           <a:xfrm>
-            <a:off x="221046" y="160003"/>
-            <a:ext cx="1718531" cy="2598164"/>
-            <a:chOff x="1408454" y="1464010"/>
-            <a:chExt cx="2861820" cy="4326648"/>
+            <a:off x="329932" y="418723"/>
+            <a:ext cx="1320537" cy="1892008"/>
+            <a:chOff x="1408454" y="1690368"/>
+            <a:chExt cx="2861820" cy="4100290"/>
           </a:xfrm>
         </p:grpSpPr>
         <p:cxnSp>
@@ -3695,7 +3724,7 @@
             <a:prstGeom prst="straightConnector1">
               <a:avLst/>
             </a:prstGeom>
-            <a:ln w="57150">
+            <a:ln w="28575">
               <a:solidFill>
                 <a:schemeClr val="tx1"/>
               </a:solidFill>
@@ -3732,7 +3761,7 @@
             <p:nvPr/>
           </p:nvPicPr>
           <p:blipFill rotWithShape="1">
-            <a:blip r:embed="rId4"/>
+            <a:blip r:embed="rId6"/>
             <a:srcRect l="6165" t="68441" r="6149" b="20581"/>
             <a:stretch/>
           </p:blipFill>
@@ -3765,10 +3794,10 @@
           </p:nvGrpSpPr>
           <p:grpSpPr>
             <a:xfrm>
-              <a:off x="1624834" y="1464010"/>
-              <a:ext cx="2213765" cy="1881700"/>
-              <a:chOff x="6161454" y="8778319"/>
-              <a:chExt cx="2415813" cy="2053441"/>
+              <a:off x="1624834" y="1690368"/>
+              <a:ext cx="1927503" cy="1638377"/>
+              <a:chOff x="6161454" y="9025333"/>
+              <a:chExt cx="2103424" cy="1787910"/>
             </a:xfrm>
           </p:grpSpPr>
           <p:pic>
@@ -3786,11 +3815,11 @@
               <p:nvPr/>
             </p:nvPicPr>
             <p:blipFill>
-              <a:blip r:embed="rId5">
+              <a:blip r:embed="rId7">
                 <a:extLst>
                   <a:ext uri="{BEBA8EAE-BF5A-486C-A8C5-ECC9F3942E4B}">
                     <a14:imgProps xmlns:a14="http://schemas.microsoft.com/office/drawing/2010/main">
-                      <a14:imgLayer r:embed="rId6">
+                      <a14:imgLayer r:embed="rId8">
                         <a14:imgEffect>
                           <a14:saturation sat="0"/>
                         </a14:imgEffect>
@@ -3809,8 +3838,8 @@
             </p:blipFill>
             <p:spPr bwMode="auto">
               <a:xfrm>
-                <a:off x="6161454" y="8778319"/>
-                <a:ext cx="2415813" cy="2053441"/>
+                <a:off x="6161454" y="9025333"/>
+                <a:ext cx="2103424" cy="1787910"/>
               </a:xfrm>
               <a:prstGeom prst="rect">
                 <a:avLst/>
@@ -3841,8 +3870,8 @@
             </p:nvSpPr>
             <p:spPr>
               <a:xfrm>
-                <a:off x="6951059" y="10035641"/>
-                <a:ext cx="194717" cy="194717"/>
+                <a:off x="6748957" y="10035642"/>
+                <a:ext cx="165411" cy="169539"/>
               </a:xfrm>
               <a:prstGeom prst="ellipse">
                 <a:avLst/>
@@ -3889,7 +3918,7 @@
         </p:grpSp>
         <mc:AlternateContent xmlns:mc="http://schemas.openxmlformats.org/markup-compatibility/2006" xmlns:p14="http://schemas.microsoft.com/office/powerpoint/2010/main">
           <mc:Choice Requires="p14">
-            <p:contentPart p14:bwMode="auto" r:id="rId7">
+            <p:contentPart p14:bwMode="auto" r:id="rId9">
               <p14:nvContentPartPr>
                 <p14:cNvPr id="94" name="Ink 93">
                   <a:extLst>
@@ -3921,7 +3950,7 @@
                 <p:nvPr/>
               </p:nvPicPr>
               <p:blipFill>
-                <a:blip r:embed="rId9"/>
+                <a:blip r:embed="rId10"/>
                 <a:stretch>
                   <a:fillRect/>
                 </a:stretch>
@@ -3953,7 +3982,7 @@
             <p:nvPr/>
           </p:nvPicPr>
           <p:blipFill>
-            <a:blip r:embed="rId10">
+            <a:blip r:embed="rId11">
               <a:extLst>
                 <a:ext uri="{28A0092B-C50C-407E-A947-70E740481C1C}">
                   <a14:useLocalDpi xmlns:a14="http://schemas.microsoft.com/office/drawing/2010/main" val="0"/>
@@ -4051,14 +4080,14 @@
           <p:nvPr/>
         </p:nvPicPr>
         <p:blipFill rotWithShape="1">
-          <a:blip r:embed="rId3"/>
-          <a:srcRect b="60844"/>
+          <a:blip r:embed="rId5"/>
+          <a:srcRect r="49850" b="60844"/>
           <a:stretch/>
         </p:blipFill>
         <p:spPr>
           <a:xfrm>
-            <a:off x="2083168" y="196168"/>
-            <a:ext cx="4338107" cy="1273976"/>
+            <a:off x="1893983" y="196168"/>
+            <a:ext cx="2175581" cy="1273976"/>
           </a:xfrm>
           <a:prstGeom prst="rect">
             <a:avLst/>
@@ -4079,7 +4108,7 @@
         </p:nvSpPr>
         <p:spPr>
           <a:xfrm>
-            <a:off x="2074460" y="0"/>
+            <a:off x="1885275" y="0"/>
             <a:ext cx="553376" cy="372859"/>
           </a:xfrm>
           <a:prstGeom prst="rect">
@@ -4123,7 +4152,7 @@
         </p:nvSpPr>
         <p:spPr>
           <a:xfrm>
-            <a:off x="0" y="2903593"/>
+            <a:off x="0" y="3019203"/>
             <a:ext cx="553376" cy="372859"/>
           </a:xfrm>
           <a:prstGeom prst="rect">
@@ -4167,7 +4196,7 @@
         </p:nvSpPr>
         <p:spPr>
           <a:xfrm>
-            <a:off x="2324740" y="63488"/>
+            <a:off x="2135555" y="63488"/>
             <a:ext cx="1071635" cy="310534"/>
           </a:xfrm>
           <a:prstGeom prst="rect">
@@ -4212,7 +4241,7 @@
         </p:nvSpPr>
         <p:spPr>
           <a:xfrm>
-            <a:off x="2115541" y="864545"/>
+            <a:off x="1926356" y="864545"/>
             <a:ext cx="243368" cy="279307"/>
           </a:xfrm>
           <a:prstGeom prst="rect">
@@ -4257,7 +4286,7 @@
         </p:nvSpPr>
         <p:spPr>
           <a:xfrm>
-            <a:off x="2114982" y="356385"/>
+            <a:off x="1925797" y="356385"/>
             <a:ext cx="243368" cy="279307"/>
           </a:xfrm>
           <a:prstGeom prst="rect">
@@ -4281,96 +4310,6 @@
               <a:t>R</a:t>
             </a:r>
             <a:endParaRPr lang="en-AU" sz="1215" dirty="0">
-              <a:latin typeface="Tw Cen MT" panose="020B0602020104020603" pitchFamily="34" charset="77"/>
-              <a:ea typeface="Open Sans" pitchFamily="2" charset="0"/>
-              <a:cs typeface="Open Sans" pitchFamily="2" charset="0"/>
-            </a:endParaRPr>
-          </a:p>
-        </p:txBody>
-      </p:sp>
-      <p:sp>
-        <p:nvSpPr>
-          <p:cNvPr id="12" name="TextBox 11">
-            <a:extLst>
-              <a:ext uri="{FF2B5EF4-FFF2-40B4-BE49-F238E27FC236}">
-                <a16:creationId xmlns:a16="http://schemas.microsoft.com/office/drawing/2014/main" id="{A5E04905-B014-26A0-2F92-ECCDD82EDD73}"/>
-              </a:ext>
-            </a:extLst>
-          </p:cNvPr>
-          <p:cNvSpPr txBox="1"/>
-          <p:nvPr/>
-        </p:nvSpPr>
-        <p:spPr>
-          <a:xfrm>
-            <a:off x="4433823" y="63488"/>
-            <a:ext cx="1071635" cy="310534"/>
-          </a:xfrm>
-          <a:prstGeom prst="rect">
-            <a:avLst/>
-          </a:prstGeom>
-          <a:noFill/>
-        </p:spPr>
-        <p:txBody>
-          <a:bodyPr wrap="square">
-            <a:spAutoFit/>
-          </a:bodyPr>
-          <a:lstStyle/>
-          <a:p>
-            <a:pPr algn="ctr"/>
-            <a:r>
-              <a:rPr lang="en-US" sz="1418" b="1" dirty="0">
-                <a:latin typeface="Tw Cen MT" panose="020B0602020104020603" pitchFamily="34" charset="77"/>
-                <a:ea typeface="Open Sans" pitchFamily="2" charset="0"/>
-                <a:cs typeface="Open Sans" pitchFamily="2" charset="0"/>
-              </a:rPr>
-              <a:t>ADHD</a:t>
-            </a:r>
-            <a:endParaRPr lang="en-AU" sz="1418" b="1" dirty="0">
-              <a:latin typeface="Tw Cen MT" panose="020B0602020104020603" pitchFamily="34" charset="77"/>
-              <a:ea typeface="Open Sans" pitchFamily="2" charset="0"/>
-              <a:cs typeface="Open Sans" pitchFamily="2" charset="0"/>
-            </a:endParaRPr>
-          </a:p>
-        </p:txBody>
-      </p:sp>
-      <p:sp>
-        <p:nvSpPr>
-          <p:cNvPr id="13" name="TextBox 12">
-            <a:extLst>
-              <a:ext uri="{FF2B5EF4-FFF2-40B4-BE49-F238E27FC236}">
-                <a16:creationId xmlns:a16="http://schemas.microsoft.com/office/drawing/2014/main" id="{A922D770-3C3A-480A-BAEA-ED5D6623FA4F}"/>
-              </a:ext>
-            </a:extLst>
-          </p:cNvPr>
-          <p:cNvSpPr txBox="1"/>
-          <p:nvPr/>
-        </p:nvSpPr>
-        <p:spPr>
-          <a:xfrm>
-            <a:off x="2324740" y="1559828"/>
-            <a:ext cx="1071635" cy="310534"/>
-          </a:xfrm>
-          <a:prstGeom prst="rect">
-            <a:avLst/>
-          </a:prstGeom>
-          <a:noFill/>
-        </p:spPr>
-        <p:txBody>
-          <a:bodyPr wrap="square">
-            <a:spAutoFit/>
-          </a:bodyPr>
-          <a:lstStyle/>
-          <a:p>
-            <a:pPr algn="ctr"/>
-            <a:r>
-              <a:rPr lang="en-US" sz="1418" b="1" dirty="0">
-                <a:latin typeface="Tw Cen MT" panose="020B0602020104020603" pitchFamily="34" charset="77"/>
-                <a:ea typeface="Open Sans" pitchFamily="2" charset="0"/>
-                <a:cs typeface="Open Sans" pitchFamily="2" charset="0"/>
-              </a:rPr>
-              <a:t>BPD</a:t>
-            </a:r>
-            <a:endParaRPr lang="en-AU" sz="1418" b="1" dirty="0">
               <a:latin typeface="Tw Cen MT" panose="020B0602020104020603" pitchFamily="34" charset="77"/>
               <a:ea typeface="Open Sans" pitchFamily="2" charset="0"/>
               <a:cs typeface="Open Sans" pitchFamily="2" charset="0"/>
@@ -4392,7 +4331,7 @@
         </p:nvSpPr>
         <p:spPr>
           <a:xfrm>
-            <a:off x="4433823" y="1565290"/>
+            <a:off x="4244638" y="1565290"/>
             <a:ext cx="1071635" cy="310534"/>
           </a:xfrm>
           <a:prstGeom prst="rect">
@@ -4437,7 +4376,7 @@
         </p:nvSpPr>
         <p:spPr>
           <a:xfrm>
-            <a:off x="2365069" y="241353"/>
+            <a:off x="2175884" y="241353"/>
             <a:ext cx="1024009" cy="279307"/>
           </a:xfrm>
           <a:prstGeom prst="rect">
@@ -4468,51 +4407,146 @@
           </a:p>
         </p:txBody>
       </p:sp>
-      <p:sp>
-        <p:nvSpPr>
-          <p:cNvPr id="16" name="TextBox 15">
+      <p:grpSp>
+        <p:nvGrpSpPr>
+          <p:cNvPr id="39" name="Group 38">
             <a:extLst>
               <a:ext uri="{FF2B5EF4-FFF2-40B4-BE49-F238E27FC236}">
-                <a16:creationId xmlns:a16="http://schemas.microsoft.com/office/drawing/2014/main" id="{DF88BA7E-9959-6A80-FC7C-E376AC3DA313}"/>
+                <a16:creationId xmlns:a16="http://schemas.microsoft.com/office/drawing/2014/main" id="{7CBC5079-2D4E-B5D7-06C5-7C51918FDB32}"/>
               </a:ext>
             </a:extLst>
           </p:cNvPr>
-          <p:cNvSpPr txBox="1"/>
+          <p:cNvGrpSpPr/>
           <p:nvPr/>
-        </p:nvSpPr>
-        <p:spPr>
-          <a:xfrm>
-            <a:off x="4457634" y="239541"/>
-            <a:ext cx="1024009" cy="279307"/>
-          </a:xfrm>
-          <a:prstGeom prst="rect">
-            <a:avLst/>
-          </a:prstGeom>
-          <a:noFill/>
-        </p:spPr>
-        <p:txBody>
-          <a:bodyPr wrap="square">
-            <a:spAutoFit/>
-          </a:bodyPr>
-          <a:lstStyle/>
-          <a:p>
-            <a:pPr algn="ctr"/>
-            <a:r>
-              <a:rPr lang="en-US" sz="1215" dirty="0">
+        </p:nvGrpSpPr>
+        <p:grpSpPr>
+          <a:xfrm>
+            <a:off x="1914878" y="1564734"/>
+            <a:ext cx="2139747" cy="1413309"/>
+            <a:chOff x="4047275" y="63488"/>
+            <a:chExt cx="2139747" cy="1413309"/>
+          </a:xfrm>
+        </p:grpSpPr>
+        <p:pic>
+          <p:nvPicPr>
+            <p:cNvPr id="38" name="Picture 37" descr="A picture containing background pattern&#10;&#10;Description automatically generated">
+              <a:extLst>
+                <a:ext uri="{FF2B5EF4-FFF2-40B4-BE49-F238E27FC236}">
+                  <a16:creationId xmlns:a16="http://schemas.microsoft.com/office/drawing/2014/main" id="{0CCE7A5F-6F87-F600-4B1E-581BC591CC76}"/>
+                </a:ext>
+              </a:extLst>
+            </p:cNvPr>
+            <p:cNvPicPr>
+              <a:picLocks noChangeAspect="1"/>
+            </p:cNvPicPr>
+            <p:nvPr/>
+          </p:nvPicPr>
+          <p:blipFill rotWithShape="1">
+            <a:blip r:embed="rId5"/>
+            <a:srcRect l="50149" r="527" b="60844"/>
+            <a:stretch/>
+          </p:blipFill>
+          <p:spPr>
+            <a:xfrm>
+              <a:off x="4047275" y="202821"/>
+              <a:ext cx="2139747" cy="1273976"/>
+            </a:xfrm>
+            <a:prstGeom prst="rect">
+              <a:avLst/>
+            </a:prstGeom>
+          </p:spPr>
+        </p:pic>
+        <p:sp>
+          <p:nvSpPr>
+            <p:cNvPr id="12" name="TextBox 11">
+              <a:extLst>
+                <a:ext uri="{FF2B5EF4-FFF2-40B4-BE49-F238E27FC236}">
+                  <a16:creationId xmlns:a16="http://schemas.microsoft.com/office/drawing/2014/main" id="{A5E04905-B014-26A0-2F92-ECCDD82EDD73}"/>
+                </a:ext>
+              </a:extLst>
+            </p:cNvPr>
+            <p:cNvSpPr txBox="1"/>
+            <p:nvPr/>
+          </p:nvSpPr>
+          <p:spPr>
+            <a:xfrm>
+              <a:off x="4244638" y="63488"/>
+              <a:ext cx="1071635" cy="310534"/>
+            </a:xfrm>
+            <a:prstGeom prst="rect">
+              <a:avLst/>
+            </a:prstGeom>
+            <a:noFill/>
+          </p:spPr>
+          <p:txBody>
+            <a:bodyPr wrap="square">
+              <a:spAutoFit/>
+            </a:bodyPr>
+            <a:lstStyle/>
+            <a:p>
+              <a:pPr algn="ctr"/>
+              <a:r>
+                <a:rPr lang="en-US" sz="1418" b="1" dirty="0">
+                  <a:latin typeface="Tw Cen MT" panose="020B0602020104020603" pitchFamily="34" charset="77"/>
+                  <a:ea typeface="Open Sans" pitchFamily="2" charset="0"/>
+                  <a:cs typeface="Open Sans" pitchFamily="2" charset="0"/>
+                </a:rPr>
+                <a:t>ADHD</a:t>
+              </a:r>
+              <a:endParaRPr lang="en-AU" sz="1418" b="1" dirty="0">
                 <a:latin typeface="Tw Cen MT" panose="020B0602020104020603" pitchFamily="34" charset="77"/>
                 <a:ea typeface="Open Sans" pitchFamily="2" charset="0"/>
                 <a:cs typeface="Open Sans" pitchFamily="2" charset="0"/>
-              </a:rPr>
-              <a:t>10 regions</a:t>
-            </a:r>
-            <a:endParaRPr lang="en-AU" sz="1215" dirty="0">
-              <a:latin typeface="Tw Cen MT" panose="020B0602020104020603" pitchFamily="34" charset="77"/>
-              <a:ea typeface="Open Sans" pitchFamily="2" charset="0"/>
-              <a:cs typeface="Open Sans" pitchFamily="2" charset="0"/>
-            </a:endParaRPr>
-          </a:p>
-        </p:txBody>
-      </p:sp>
+              </a:endParaRPr>
+            </a:p>
+          </p:txBody>
+        </p:sp>
+        <p:sp>
+          <p:nvSpPr>
+            <p:cNvPr id="16" name="TextBox 15">
+              <a:extLst>
+                <a:ext uri="{FF2B5EF4-FFF2-40B4-BE49-F238E27FC236}">
+                  <a16:creationId xmlns:a16="http://schemas.microsoft.com/office/drawing/2014/main" id="{DF88BA7E-9959-6A80-FC7C-E376AC3DA313}"/>
+                </a:ext>
+              </a:extLst>
+            </p:cNvPr>
+            <p:cNvSpPr txBox="1"/>
+            <p:nvPr/>
+          </p:nvSpPr>
+          <p:spPr>
+            <a:xfrm>
+              <a:off x="4268449" y="239541"/>
+              <a:ext cx="1024009" cy="279307"/>
+            </a:xfrm>
+            <a:prstGeom prst="rect">
+              <a:avLst/>
+            </a:prstGeom>
+            <a:noFill/>
+          </p:spPr>
+          <p:txBody>
+            <a:bodyPr wrap="square">
+              <a:spAutoFit/>
+            </a:bodyPr>
+            <a:lstStyle/>
+            <a:p>
+              <a:pPr algn="ctr"/>
+              <a:r>
+                <a:rPr lang="en-US" sz="1215" dirty="0">
+                  <a:latin typeface="Tw Cen MT" panose="020B0602020104020603" pitchFamily="34" charset="77"/>
+                  <a:ea typeface="Open Sans" pitchFamily="2" charset="0"/>
+                  <a:cs typeface="Open Sans" pitchFamily="2" charset="0"/>
+                </a:rPr>
+                <a:t>10 regions</a:t>
+              </a:r>
+              <a:endParaRPr lang="en-AU" sz="1215" dirty="0">
+                <a:latin typeface="Tw Cen MT" panose="020B0602020104020603" pitchFamily="34" charset="77"/>
+                <a:ea typeface="Open Sans" pitchFamily="2" charset="0"/>
+                <a:cs typeface="Open Sans" pitchFamily="2" charset="0"/>
+              </a:endParaRPr>
+            </a:p>
+          </p:txBody>
+        </p:sp>
+      </p:grpSp>
       <p:sp>
         <p:nvSpPr>
           <p:cNvPr id="18" name="TextBox 17">
@@ -4527,7 +4561,7 @@
         </p:nvSpPr>
         <p:spPr>
           <a:xfrm>
-            <a:off x="4433821" y="1727911"/>
+            <a:off x="4244636" y="1727911"/>
             <a:ext cx="1024009" cy="279307"/>
           </a:xfrm>
           <a:prstGeom prst="rect">
@@ -4558,12 +4592,152 @@
           </a:p>
         </p:txBody>
       </p:sp>
-      <p:sp>
-        <p:nvSpPr>
-          <p:cNvPr id="19" name="TextBox 18">
+      <p:grpSp>
+        <p:nvGrpSpPr>
+          <p:cNvPr id="40" name="Group 39">
             <a:extLst>
               <a:ext uri="{FF2B5EF4-FFF2-40B4-BE49-F238E27FC236}">
-                <a16:creationId xmlns:a16="http://schemas.microsoft.com/office/drawing/2014/main" id="{44C2ABFF-97CC-BDA6-00A2-9027D8FB5FBE}"/>
+                <a16:creationId xmlns:a16="http://schemas.microsoft.com/office/drawing/2014/main" id="{36129F66-5F6D-8C3D-1D9D-42F9BA95E037}"/>
+              </a:ext>
+            </a:extLst>
+          </p:cNvPr>
+          <p:cNvGrpSpPr/>
+          <p:nvPr/>
+        </p:nvGrpSpPr>
+        <p:grpSpPr>
+          <a:xfrm>
+            <a:off x="4033829" y="59807"/>
+            <a:ext cx="2196917" cy="1491833"/>
+            <a:chOff x="1893983" y="1559828"/>
+            <a:chExt cx="2196917" cy="1491833"/>
+          </a:xfrm>
+        </p:grpSpPr>
+        <p:pic>
+          <p:nvPicPr>
+            <p:cNvPr id="21" name="Picture 20" descr="A picture containing background pattern&#10;&#10;Description automatically generated">
+              <a:extLst>
+                <a:ext uri="{FF2B5EF4-FFF2-40B4-BE49-F238E27FC236}">
+                  <a16:creationId xmlns:a16="http://schemas.microsoft.com/office/drawing/2014/main" id="{6F00A95D-7F19-67DC-9FFA-85499DF1C36D}"/>
+                </a:ext>
+              </a:extLst>
+            </p:cNvPr>
+            <p:cNvPicPr>
+              <a:picLocks noChangeAspect="1"/>
+            </p:cNvPicPr>
+            <p:nvPr/>
+          </p:nvPicPr>
+          <p:blipFill rotWithShape="1">
+            <a:blip r:embed="rId5"/>
+            <a:srcRect l="77" t="44536" r="49281" b="16308"/>
+            <a:stretch/>
+          </p:blipFill>
+          <p:spPr>
+            <a:xfrm>
+              <a:off x="1893983" y="1777685"/>
+              <a:ext cx="2196917" cy="1273976"/>
+            </a:xfrm>
+            <a:prstGeom prst="rect">
+              <a:avLst/>
+            </a:prstGeom>
+          </p:spPr>
+        </p:pic>
+        <p:sp>
+          <p:nvSpPr>
+            <p:cNvPr id="13" name="TextBox 12">
+              <a:extLst>
+                <a:ext uri="{FF2B5EF4-FFF2-40B4-BE49-F238E27FC236}">
+                  <a16:creationId xmlns:a16="http://schemas.microsoft.com/office/drawing/2014/main" id="{A922D770-3C3A-480A-BAEA-ED5D6623FA4F}"/>
+                </a:ext>
+              </a:extLst>
+            </p:cNvPr>
+            <p:cNvSpPr txBox="1"/>
+            <p:nvPr/>
+          </p:nvSpPr>
+          <p:spPr>
+            <a:xfrm>
+              <a:off x="2135555" y="1559828"/>
+              <a:ext cx="1071635" cy="310534"/>
+            </a:xfrm>
+            <a:prstGeom prst="rect">
+              <a:avLst/>
+            </a:prstGeom>
+            <a:noFill/>
+          </p:spPr>
+          <p:txBody>
+            <a:bodyPr wrap="square">
+              <a:spAutoFit/>
+            </a:bodyPr>
+            <a:lstStyle/>
+            <a:p>
+              <a:pPr algn="ctr"/>
+              <a:r>
+                <a:rPr lang="en-US" sz="1418" b="1" dirty="0">
+                  <a:latin typeface="Tw Cen MT" panose="020B0602020104020603" pitchFamily="34" charset="77"/>
+                  <a:ea typeface="Open Sans" pitchFamily="2" charset="0"/>
+                  <a:cs typeface="Open Sans" pitchFamily="2" charset="0"/>
+                </a:rPr>
+                <a:t>BPD</a:t>
+              </a:r>
+              <a:endParaRPr lang="en-AU" sz="1418" b="1" dirty="0">
+                <a:latin typeface="Tw Cen MT" panose="020B0602020104020603" pitchFamily="34" charset="77"/>
+                <a:ea typeface="Open Sans" pitchFamily="2" charset="0"/>
+                <a:cs typeface="Open Sans" pitchFamily="2" charset="0"/>
+              </a:endParaRPr>
+            </a:p>
+          </p:txBody>
+        </p:sp>
+        <p:sp>
+          <p:nvSpPr>
+            <p:cNvPr id="19" name="TextBox 18">
+              <a:extLst>
+                <a:ext uri="{FF2B5EF4-FFF2-40B4-BE49-F238E27FC236}">
+                  <a16:creationId xmlns:a16="http://schemas.microsoft.com/office/drawing/2014/main" id="{44C2ABFF-97CC-BDA6-00A2-9027D8FB5FBE}"/>
+                </a:ext>
+              </a:extLst>
+            </p:cNvPr>
+            <p:cNvSpPr txBox="1"/>
+            <p:nvPr/>
+          </p:nvSpPr>
+          <p:spPr>
+            <a:xfrm>
+              <a:off x="2175883" y="1741865"/>
+              <a:ext cx="1024009" cy="279307"/>
+            </a:xfrm>
+            <a:prstGeom prst="rect">
+              <a:avLst/>
+            </a:prstGeom>
+            <a:noFill/>
+          </p:spPr>
+          <p:txBody>
+            <a:bodyPr wrap="square">
+              <a:spAutoFit/>
+            </a:bodyPr>
+            <a:lstStyle/>
+            <a:p>
+              <a:pPr algn="ctr"/>
+              <a:r>
+                <a:rPr lang="en-US" sz="1215" dirty="0">
+                  <a:latin typeface="Tw Cen MT" panose="020B0602020104020603" pitchFamily="34" charset="77"/>
+                  <a:ea typeface="Open Sans" pitchFamily="2" charset="0"/>
+                  <a:cs typeface="Open Sans" pitchFamily="2" charset="0"/>
+                </a:rPr>
+                <a:t>30 regions</a:t>
+              </a:r>
+              <a:endParaRPr lang="en-AU" sz="1215" dirty="0">
+                <a:latin typeface="Tw Cen MT" panose="020B0602020104020603" pitchFamily="34" charset="77"/>
+                <a:ea typeface="Open Sans" pitchFamily="2" charset="0"/>
+                <a:cs typeface="Open Sans" pitchFamily="2" charset="0"/>
+              </a:endParaRPr>
+            </a:p>
+          </p:txBody>
+        </p:sp>
+      </p:grpSp>
+      <p:sp>
+        <p:nvSpPr>
+          <p:cNvPr id="9" name="TextBox 8">
+            <a:extLst>
+              <a:ext uri="{FF2B5EF4-FFF2-40B4-BE49-F238E27FC236}">
+                <a16:creationId xmlns:a16="http://schemas.microsoft.com/office/drawing/2014/main" id="{96CB8B7A-DC9C-CD39-45E0-382F00F43485}"/>
               </a:ext>
             </a:extLst>
           </p:cNvPr>
@@ -4572,8 +4746,8 @@
         </p:nvSpPr>
         <p:spPr>
           <a:xfrm>
-            <a:off x="2365068" y="1741865"/>
-            <a:ext cx="1024009" cy="279307"/>
+            <a:off x="3661967" y="3019203"/>
+            <a:ext cx="553376" cy="372859"/>
           </a:xfrm>
           <a:prstGeom prst="rect">
             <a:avLst/>
@@ -4586,16 +4760,15 @@
           </a:bodyPr>
           <a:lstStyle/>
           <a:p>
-            <a:pPr algn="ctr"/>
-            <a:r>
-              <a:rPr lang="en-US" sz="1215" dirty="0">
+            <a:r>
+              <a:rPr lang="en-US" sz="1823" b="1" dirty="0">
                 <a:latin typeface="Tw Cen MT" panose="020B0602020104020603" pitchFamily="34" charset="77"/>
                 <a:ea typeface="Open Sans" pitchFamily="2" charset="0"/>
                 <a:cs typeface="Open Sans" pitchFamily="2" charset="0"/>
               </a:rPr>
-              <a:t>30 regions</a:t>
-            </a:r>
-            <a:endParaRPr lang="en-AU" sz="1215" dirty="0">
+              <a:t>D</a:t>
+            </a:r>
+            <a:endParaRPr lang="en-AU" sz="1823" b="1" dirty="0">
               <a:latin typeface="Tw Cen MT" panose="020B0602020104020603" pitchFamily="34" charset="77"/>
               <a:ea typeface="Open Sans" pitchFamily="2" charset="0"/>
               <a:cs typeface="Open Sans" pitchFamily="2" charset="0"/>
@@ -4603,12 +4776,123 @@
           </a:p>
         </p:txBody>
       </p:sp>
+      <p:sp>
+        <p:nvSpPr>
+          <p:cNvPr id="2" name="TextBox 1">
+            <a:extLst>
+              <a:ext uri="{FF2B5EF4-FFF2-40B4-BE49-F238E27FC236}">
+                <a16:creationId xmlns:a16="http://schemas.microsoft.com/office/drawing/2014/main" id="{0DF91A32-3BCC-C4DB-D5C8-49D3A132C8C3}"/>
+              </a:ext>
+            </a:extLst>
+          </p:cNvPr>
+          <p:cNvSpPr txBox="1"/>
+          <p:nvPr/>
+        </p:nvSpPr>
+        <p:spPr>
+          <a:xfrm>
+            <a:off x="-2575724" y="5662095"/>
+            <a:ext cx="2575724" cy="528734"/>
+          </a:xfrm>
+          <a:prstGeom prst="rect">
+            <a:avLst/>
+          </a:prstGeom>
+          <a:noFill/>
+        </p:spPr>
+        <p:txBody>
+          <a:bodyPr wrap="square">
+            <a:spAutoFit/>
+          </a:bodyPr>
+          <a:lstStyle/>
+          <a:p>
+            <a:r>
+              <a:rPr lang="en-US" sz="1418" dirty="0">
+                <a:highlight>
+                  <a:srgbClr val="FFFF00"/>
+                </a:highlight>
+                <a:latin typeface="Tw Cen MT" panose="020B0602020104020603" pitchFamily="34" charset="77"/>
+                <a:ea typeface="Open Sans" pitchFamily="2" charset="0"/>
+                <a:cs typeface="Open Sans" pitchFamily="2" charset="0"/>
+              </a:rPr>
+              <a:t>Show SVM coefficients for PD </a:t>
+            </a:r>
+            <a:r>
+              <a:rPr lang="en-US" sz="1418" dirty="0" err="1">
+                <a:highlight>
+                  <a:srgbClr val="FFFF00"/>
+                </a:highlight>
+                <a:latin typeface="Tw Cen MT" panose="020B0602020104020603" pitchFamily="34" charset="77"/>
+                <a:ea typeface="Open Sans" pitchFamily="2" charset="0"/>
+                <a:cs typeface="Open Sans" pitchFamily="2" charset="0"/>
+              </a:rPr>
+              <a:t>PeriodicityWang</a:t>
+            </a:r>
+            <a:endParaRPr lang="en-AU" sz="1418" dirty="0">
+              <a:highlight>
+                <a:srgbClr val="FFFF00"/>
+              </a:highlight>
+              <a:latin typeface="Tw Cen MT" panose="020B0602020104020603" pitchFamily="34" charset="77"/>
+              <a:ea typeface="Open Sans" pitchFamily="2" charset="0"/>
+              <a:cs typeface="Open Sans" pitchFamily="2" charset="0"/>
+            </a:endParaRPr>
+          </a:p>
+        </p:txBody>
+      </p:sp>
+      <p:sp>
+        <p:nvSpPr>
+          <p:cNvPr id="4" name="TextBox 3">
+            <a:extLst>
+              <a:ext uri="{FF2B5EF4-FFF2-40B4-BE49-F238E27FC236}">
+                <a16:creationId xmlns:a16="http://schemas.microsoft.com/office/drawing/2014/main" id="{2617D526-EFE5-D197-5534-16E9964066B4}"/>
+              </a:ext>
+            </a:extLst>
+          </p:cNvPr>
+          <p:cNvSpPr txBox="1"/>
+          <p:nvPr/>
+        </p:nvSpPr>
+        <p:spPr>
+          <a:xfrm>
+            <a:off x="7916849" y="4696959"/>
+            <a:ext cx="1817977" cy="965136"/>
+          </a:xfrm>
+          <a:prstGeom prst="rect">
+            <a:avLst/>
+          </a:prstGeom>
+          <a:noFill/>
+        </p:spPr>
+        <p:txBody>
+          <a:bodyPr wrap="square">
+            <a:spAutoFit/>
+          </a:bodyPr>
+          <a:lstStyle/>
+          <a:p>
+            <a:r>
+              <a:rPr lang="en-US" sz="1418" dirty="0">
+                <a:highlight>
+                  <a:srgbClr val="FFFF00"/>
+                </a:highlight>
+                <a:latin typeface="Tw Cen MT" panose="020B0602020104020603" pitchFamily="34" charset="77"/>
+                <a:ea typeface="Open Sans" pitchFamily="2" charset="0"/>
+                <a:cs typeface="Open Sans" pitchFamily="2" charset="0"/>
+              </a:rPr>
+              <a:t>List feature with largest magnitude SVM coefficient per model</a:t>
+            </a:r>
+            <a:endParaRPr lang="en-AU" sz="1418" dirty="0">
+              <a:highlight>
+                <a:srgbClr val="FFFF00"/>
+              </a:highlight>
+              <a:latin typeface="Tw Cen MT" panose="020B0602020104020603" pitchFamily="34" charset="77"/>
+              <a:ea typeface="Open Sans" pitchFamily="2" charset="0"/>
+              <a:cs typeface="Open Sans" pitchFamily="2" charset="0"/>
+            </a:endParaRPr>
+          </a:p>
+        </p:txBody>
+      </p:sp>
       <p:pic>
         <p:nvPicPr>
-          <p:cNvPr id="20" name="Picture 19">
+          <p:cNvPr id="28" name="Picture 27" descr="A picture containing text, display&#10;&#10;Description automatically generated">
             <a:extLst>
               <a:ext uri="{FF2B5EF4-FFF2-40B4-BE49-F238E27FC236}">
-                <a16:creationId xmlns:a16="http://schemas.microsoft.com/office/drawing/2014/main" id="{E96DA8A4-B0D3-25CA-65C2-D5B7E9AC7D6E}"/>
+                <a16:creationId xmlns:a16="http://schemas.microsoft.com/office/drawing/2014/main" id="{67A32BA6-7136-3C4B-056C-562302BC9AB1}"/>
               </a:ext>
             </a:extLst>
           </p:cNvPr>
@@ -4618,14 +4902,14 @@
           <p:nvPr/>
         </p:nvPicPr>
         <p:blipFill rotWithShape="1">
-          <a:blip r:embed="rId11"/>
-          <a:srcRect l="271" t="88128" r="72843" b="1010"/>
+          <a:blip r:embed="rId12"/>
+          <a:srcRect l="41035" r="52942" b="30369"/>
           <a:stretch/>
         </p:blipFill>
         <p:spPr>
           <a:xfrm>
-            <a:off x="3253765" y="1449877"/>
-            <a:ext cx="1370035" cy="415128"/>
+            <a:off x="1821225" y="3201100"/>
+            <a:ext cx="160177" cy="2222103"/>
           </a:xfrm>
           <a:prstGeom prst="rect">
             <a:avLst/>
@@ -4634,10 +4918,10 @@
       </p:pic>
       <p:pic>
         <p:nvPicPr>
-          <p:cNvPr id="8" name="Picture 7" descr="A picture containing graphical user interface&#10;&#10;Description automatically generated">
+          <p:cNvPr id="31" name="Picture 30" descr="A picture containing background pattern&#10;&#10;Description automatically generated">
             <a:extLst>
               <a:ext uri="{FF2B5EF4-FFF2-40B4-BE49-F238E27FC236}">
-                <a16:creationId xmlns:a16="http://schemas.microsoft.com/office/drawing/2014/main" id="{CB0A9083-C783-534B-2252-BC99B4300F25}"/>
+                <a16:creationId xmlns:a16="http://schemas.microsoft.com/office/drawing/2014/main" id="{53C6969C-7E4F-9B24-F39A-4067A90B716D}"/>
               </a:ext>
             </a:extLst>
           </p:cNvPr>
@@ -4646,72 +4930,27 @@
           </p:cNvPicPr>
           <p:nvPr/>
         </p:nvPicPr>
-        <p:blipFill>
-          <a:blip r:embed="rId12"/>
-          <a:stretch>
-            <a:fillRect/>
-          </a:stretch>
+        <p:blipFill rotWithShape="1">
+          <a:blip r:embed="rId13"/>
+          <a:srcRect t="74420" r="-2680"/>
+          <a:stretch/>
         </p:blipFill>
         <p:spPr>
           <a:xfrm>
-            <a:off x="116244" y="3075400"/>
-            <a:ext cx="4053588" cy="3184962"/>
+            <a:off x="192136" y="5625885"/>
+            <a:ext cx="1789266" cy="486265"/>
           </a:xfrm>
           <a:prstGeom prst="rect">
             <a:avLst/>
           </a:prstGeom>
         </p:spPr>
       </p:pic>
-      <p:sp>
-        <p:nvSpPr>
-          <p:cNvPr id="9" name="TextBox 8">
+      <p:pic>
+        <p:nvPicPr>
+          <p:cNvPr id="34" name="Picture 33" descr="A picture containing text&#10;&#10;Description automatically generated">
             <a:extLst>
               <a:ext uri="{FF2B5EF4-FFF2-40B4-BE49-F238E27FC236}">
-                <a16:creationId xmlns:a16="http://schemas.microsoft.com/office/drawing/2014/main" id="{96CB8B7A-DC9C-CD39-45E0-382F00F43485}"/>
-              </a:ext>
-            </a:extLst>
-          </p:cNvPr>
-          <p:cNvSpPr txBox="1"/>
-          <p:nvPr/>
-        </p:nvSpPr>
-        <p:spPr>
-          <a:xfrm>
-            <a:off x="4312480" y="2969203"/>
-            <a:ext cx="553376" cy="372859"/>
-          </a:xfrm>
-          <a:prstGeom prst="rect">
-            <a:avLst/>
-          </a:prstGeom>
-          <a:noFill/>
-        </p:spPr>
-        <p:txBody>
-          <a:bodyPr wrap="square">
-            <a:spAutoFit/>
-          </a:bodyPr>
-          <a:lstStyle/>
-          <a:p>
-            <a:r>
-              <a:rPr lang="en-US" sz="1823" b="1" dirty="0">
-                <a:latin typeface="Tw Cen MT" panose="020B0602020104020603" pitchFamily="34" charset="77"/>
-                <a:ea typeface="Open Sans" pitchFamily="2" charset="0"/>
-                <a:cs typeface="Open Sans" pitchFamily="2" charset="0"/>
-              </a:rPr>
-              <a:t>D</a:t>
-            </a:r>
-            <a:endParaRPr lang="en-AU" sz="1823" b="1" dirty="0">
-              <a:latin typeface="Tw Cen MT" panose="020B0602020104020603" pitchFamily="34" charset="77"/>
-              <a:ea typeface="Open Sans" pitchFamily="2" charset="0"/>
-              <a:cs typeface="Open Sans" pitchFamily="2" charset="0"/>
-            </a:endParaRPr>
-          </a:p>
-        </p:txBody>
-      </p:sp>
-      <p:pic>
-        <p:nvPicPr>
-          <p:cNvPr id="25" name="Picture 24">
-            <a:extLst>
-              <a:ext uri="{FF2B5EF4-FFF2-40B4-BE49-F238E27FC236}">
-                <a16:creationId xmlns:a16="http://schemas.microsoft.com/office/drawing/2014/main" id="{433F8668-2F6F-63A7-0157-F4879A5D2FD9}"/>
+                <a16:creationId xmlns:a16="http://schemas.microsoft.com/office/drawing/2014/main" id="{C569F810-48CB-A7D8-F7E6-9FDEE8BC7418}"/>
               </a:ext>
             </a:extLst>
           </p:cNvPr>
@@ -4720,15 +4959,44 @@
           </p:cNvPicPr>
           <p:nvPr/>
         </p:nvPicPr>
-        <p:blipFill>
-          <a:blip r:embed="rId13"/>
-          <a:srcRect/>
+        <p:blipFill rotWithShape="1">
+          <a:blip r:embed="rId14"/>
+          <a:srcRect l="369" r="48047" b="27585"/>
           <a:stretch/>
         </p:blipFill>
         <p:spPr>
           <a:xfrm>
-            <a:off x="4323348" y="3075400"/>
-            <a:ext cx="2026794" cy="3184962"/>
+            <a:off x="134517" y="3140031"/>
+            <a:ext cx="1636686" cy="2297634"/>
+          </a:xfrm>
+          <a:prstGeom prst="rect">
+            <a:avLst/>
+          </a:prstGeom>
+        </p:spPr>
+      </p:pic>
+      <p:pic>
+        <p:nvPicPr>
+          <p:cNvPr id="36" name="Picture 35" descr="Background pattern&#10;&#10;Description automatically generated">
+            <a:extLst>
+              <a:ext uri="{FF2B5EF4-FFF2-40B4-BE49-F238E27FC236}">
+                <a16:creationId xmlns:a16="http://schemas.microsoft.com/office/drawing/2014/main" id="{4D90D320-A21B-D245-E810-0C2B260AD1DE}"/>
+              </a:ext>
+            </a:extLst>
+          </p:cNvPr>
+          <p:cNvPicPr>
+            <a:picLocks noChangeAspect="1"/>
+          </p:cNvPicPr>
+          <p:nvPr/>
+        </p:nvPicPr>
+        <p:blipFill rotWithShape="1">
+          <a:blip r:embed="rId15"/>
+          <a:srcRect t="88248" r="73079"/>
+          <a:stretch/>
+        </p:blipFill>
+        <p:spPr>
+          <a:xfrm>
+            <a:off x="3043560" y="1486861"/>
+            <a:ext cx="1358287" cy="444705"/>
           </a:xfrm>
           <a:prstGeom prst="rect">
             <a:avLst/>

--- a/plots/Manuscript_Draft/univariate_results/univariate_results.pptx
+++ b/plots/Manuscript_Draft/univariate_results/univariate_results.pptx
@@ -225,7 +225,7 @@
           <a:p>
             <a:fld id="{579FAC9A-1302-7B44-BEBC-76061B9693FF}" type="datetimeFigureOut">
               <a:rPr lang="en-AU" smtClean="0"/>
-              <a:t>19/3/2023</a:t>
+              <a:t>23/3/2023</a:t>
             </a:fld>
             <a:endParaRPr lang="en-AU"/>
           </a:p>
@@ -721,7 +721,7 @@
           <a:p>
             <a:fld id="{660F605C-ACF6-E948-AFB9-61DA1E8FDC12}" type="datetimeFigureOut">
               <a:rPr lang="en-AU" smtClean="0"/>
-              <a:t>19/3/2023</a:t>
+              <a:t>23/3/2023</a:t>
             </a:fld>
             <a:endParaRPr lang="en-AU"/>
           </a:p>
@@ -891,7 +891,7 @@
           <a:p>
             <a:fld id="{660F605C-ACF6-E948-AFB9-61DA1E8FDC12}" type="datetimeFigureOut">
               <a:rPr lang="en-AU" smtClean="0"/>
-              <a:t>19/3/2023</a:t>
+              <a:t>23/3/2023</a:t>
             </a:fld>
             <a:endParaRPr lang="en-AU"/>
           </a:p>
@@ -1071,7 +1071,7 @@
           <a:p>
             <a:fld id="{660F605C-ACF6-E948-AFB9-61DA1E8FDC12}" type="datetimeFigureOut">
               <a:rPr lang="en-AU" smtClean="0"/>
-              <a:t>19/3/2023</a:t>
+              <a:t>23/3/2023</a:t>
             </a:fld>
             <a:endParaRPr lang="en-AU"/>
           </a:p>
@@ -1241,7 +1241,7 @@
           <a:p>
             <a:fld id="{660F605C-ACF6-E948-AFB9-61DA1E8FDC12}" type="datetimeFigureOut">
               <a:rPr lang="en-AU" smtClean="0"/>
-              <a:t>19/3/2023</a:t>
+              <a:t>23/3/2023</a:t>
             </a:fld>
             <a:endParaRPr lang="en-AU"/>
           </a:p>
@@ -1485,7 +1485,7 @@
           <a:p>
             <a:fld id="{660F605C-ACF6-E948-AFB9-61DA1E8FDC12}" type="datetimeFigureOut">
               <a:rPr lang="en-AU" smtClean="0"/>
-              <a:t>19/3/2023</a:t>
+              <a:t>23/3/2023</a:t>
             </a:fld>
             <a:endParaRPr lang="en-AU"/>
           </a:p>
@@ -1717,7 +1717,7 @@
           <a:p>
             <a:fld id="{660F605C-ACF6-E948-AFB9-61DA1E8FDC12}" type="datetimeFigureOut">
               <a:rPr lang="en-AU" smtClean="0"/>
-              <a:t>19/3/2023</a:t>
+              <a:t>23/3/2023</a:t>
             </a:fld>
             <a:endParaRPr lang="en-AU"/>
           </a:p>
@@ -2084,7 +2084,7 @@
           <a:p>
             <a:fld id="{660F605C-ACF6-E948-AFB9-61DA1E8FDC12}" type="datetimeFigureOut">
               <a:rPr lang="en-AU" smtClean="0"/>
-              <a:t>19/3/2023</a:t>
+              <a:t>23/3/2023</a:t>
             </a:fld>
             <a:endParaRPr lang="en-AU"/>
           </a:p>
@@ -2202,7 +2202,7 @@
           <a:p>
             <a:fld id="{660F605C-ACF6-E948-AFB9-61DA1E8FDC12}" type="datetimeFigureOut">
               <a:rPr lang="en-AU" smtClean="0"/>
-              <a:t>19/3/2023</a:t>
+              <a:t>23/3/2023</a:t>
             </a:fld>
             <a:endParaRPr lang="en-AU"/>
           </a:p>
@@ -2297,7 +2297,7 @@
           <a:p>
             <a:fld id="{660F605C-ACF6-E948-AFB9-61DA1E8FDC12}" type="datetimeFigureOut">
               <a:rPr lang="en-AU" smtClean="0"/>
-              <a:t>19/3/2023</a:t>
+              <a:t>23/3/2023</a:t>
             </a:fld>
             <a:endParaRPr lang="en-AU"/>
           </a:p>
@@ -2574,7 +2574,7 @@
           <a:p>
             <a:fld id="{660F605C-ACF6-E948-AFB9-61DA1E8FDC12}" type="datetimeFigureOut">
               <a:rPr lang="en-AU" smtClean="0"/>
-              <a:t>19/3/2023</a:t>
+              <a:t>23/3/2023</a:t>
             </a:fld>
             <a:endParaRPr lang="en-AU"/>
           </a:p>
@@ -2831,7 +2831,7 @@
           <a:p>
             <a:fld id="{660F605C-ACF6-E948-AFB9-61DA1E8FDC12}" type="datetimeFigureOut">
               <a:rPr lang="en-AU" smtClean="0"/>
-              <a:t>19/3/2023</a:t>
+              <a:t>23/3/2023</a:t>
             </a:fld>
             <a:endParaRPr lang="en-AU"/>
           </a:p>
@@ -3044,7 +3044,7 @@
           <a:p>
             <a:fld id="{660F605C-ACF6-E948-AFB9-61DA1E8FDC12}" type="datetimeFigureOut">
               <a:rPr lang="en-AU" smtClean="0"/>
-              <a:t>19/3/2023</a:t>
+              <a:t>23/3/2023</a:t>
             </a:fld>
             <a:endParaRPr lang="en-AU"/>
           </a:p>
@@ -3451,10 +3451,10 @@
       </p:grpSpPr>
       <p:pic>
         <p:nvPicPr>
-          <p:cNvPr id="42" name="Picture 41" descr="A picture containing text, clipart&#10;&#10;Description automatically generated">
+          <p:cNvPr id="35" name="Picture 34" descr="A picture containing qr code&#10;&#10;Description automatically generated">
             <a:extLst>
               <a:ext uri="{FF2B5EF4-FFF2-40B4-BE49-F238E27FC236}">
-                <a16:creationId xmlns:a16="http://schemas.microsoft.com/office/drawing/2014/main" id="{702B9AD1-0190-57F0-309A-10FB1F1371C8}"/>
+                <a16:creationId xmlns:a16="http://schemas.microsoft.com/office/drawing/2014/main" id="{B9A943B8-7829-67B7-3D24-50326299E9B3}"/>
               </a:ext>
             </a:extLst>
           </p:cNvPr>
@@ -3465,13 +3465,129 @@
         </p:nvPicPr>
         <p:blipFill rotWithShape="1">
           <a:blip r:embed="rId3"/>
-          <a:srcRect l="51938"/>
+          <a:srcRect l="-2715" r="48277" b="27604"/>
           <a:stretch/>
         </p:blipFill>
         <p:spPr>
           <a:xfrm>
-            <a:off x="2015312" y="3140980"/>
-            <a:ext cx="1524503" cy="3171931"/>
+            <a:off x="40407" y="3140621"/>
+            <a:ext cx="1727268" cy="2297044"/>
+          </a:xfrm>
+          <a:prstGeom prst="rect">
+            <a:avLst/>
+          </a:prstGeom>
+        </p:spPr>
+      </p:pic>
+      <p:pic>
+        <p:nvPicPr>
+          <p:cNvPr id="30" name="Picture 29" descr="A picture containing qr code&#10;&#10;Description automatically generated">
+            <a:extLst>
+              <a:ext uri="{FF2B5EF4-FFF2-40B4-BE49-F238E27FC236}">
+                <a16:creationId xmlns:a16="http://schemas.microsoft.com/office/drawing/2014/main" id="{AD43F694-9A6A-DC27-EE99-80AED92DD87D}"/>
+              </a:ext>
+            </a:extLst>
+          </p:cNvPr>
+          <p:cNvPicPr>
+            <a:picLocks noChangeAspect="1"/>
+          </p:cNvPicPr>
+          <p:nvPr/>
+        </p:nvPicPr>
+        <p:blipFill rotWithShape="1">
+          <a:blip r:embed="rId3"/>
+          <a:srcRect l="51723"/>
+          <a:stretch/>
+        </p:blipFill>
+        <p:spPr>
+          <a:xfrm>
+            <a:off x="2004645" y="3140031"/>
+            <a:ext cx="1531791" cy="3172880"/>
+          </a:xfrm>
+          <a:prstGeom prst="rect">
+            <a:avLst/>
+          </a:prstGeom>
+        </p:spPr>
+      </p:pic>
+      <p:pic>
+        <p:nvPicPr>
+          <p:cNvPr id="27" name="Picture 26" descr="Background pattern&#10;&#10;Description automatically generated">
+            <a:extLst>
+              <a:ext uri="{FF2B5EF4-FFF2-40B4-BE49-F238E27FC236}">
+                <a16:creationId xmlns:a16="http://schemas.microsoft.com/office/drawing/2014/main" id="{02A30AA3-0B70-7104-0D4B-1B928B8FBBF7}"/>
+              </a:ext>
+            </a:extLst>
+          </p:cNvPr>
+          <p:cNvPicPr>
+            <a:picLocks noChangeAspect="1"/>
+          </p:cNvPicPr>
+          <p:nvPr/>
+        </p:nvPicPr>
+        <p:blipFill rotWithShape="1">
+          <a:blip r:embed="rId4"/>
+          <a:srcRect l="156" t="87959" r="73251" b="565"/>
+          <a:stretch/>
+        </p:blipFill>
+        <p:spPr>
+          <a:xfrm>
+            <a:off x="3085533" y="1497985"/>
+            <a:ext cx="1277309" cy="413444"/>
+          </a:xfrm>
+          <a:prstGeom prst="rect">
+            <a:avLst/>
+          </a:prstGeom>
+        </p:spPr>
+      </p:pic>
+      <p:pic>
+        <p:nvPicPr>
+          <p:cNvPr id="24" name="Picture 23" descr="Background pattern&#10;&#10;Description automatically generated">
+            <a:extLst>
+              <a:ext uri="{FF2B5EF4-FFF2-40B4-BE49-F238E27FC236}">
+                <a16:creationId xmlns:a16="http://schemas.microsoft.com/office/drawing/2014/main" id="{510661EA-1D15-41F1-2087-1519D6C28488}"/>
+              </a:ext>
+            </a:extLst>
+          </p:cNvPr>
+          <p:cNvPicPr>
+            <a:picLocks noChangeAspect="1"/>
+          </p:cNvPicPr>
+          <p:nvPr/>
+        </p:nvPicPr>
+        <p:blipFill rotWithShape="1">
+          <a:blip r:embed="rId4"/>
+          <a:srcRect l="156" t="45489" r="-156" b="15536"/>
+          <a:stretch/>
+        </p:blipFill>
+        <p:spPr>
+          <a:xfrm>
+            <a:off x="1872510" y="1812199"/>
+            <a:ext cx="4358236" cy="1273976"/>
+          </a:xfrm>
+          <a:prstGeom prst="rect">
+            <a:avLst/>
+          </a:prstGeom>
+        </p:spPr>
+      </p:pic>
+      <p:pic>
+        <p:nvPicPr>
+          <p:cNvPr id="20" name="Picture 19" descr="Background pattern&#10;&#10;Description automatically generated">
+            <a:extLst>
+              <a:ext uri="{FF2B5EF4-FFF2-40B4-BE49-F238E27FC236}">
+                <a16:creationId xmlns:a16="http://schemas.microsoft.com/office/drawing/2014/main" id="{DED9DD9B-8867-864E-9EBA-6D2DD0438A96}"/>
+              </a:ext>
+            </a:extLst>
+          </p:cNvPr>
+          <p:cNvPicPr>
+            <a:picLocks noChangeAspect="1"/>
+          </p:cNvPicPr>
+          <p:nvPr/>
+        </p:nvPicPr>
+        <p:blipFill rotWithShape="1">
+          <a:blip r:embed="rId4"/>
+          <a:srcRect b="61025"/>
+          <a:stretch/>
+        </p:blipFill>
+        <p:spPr>
+          <a:xfrm>
+            <a:off x="1919921" y="196169"/>
+            <a:ext cx="4358236" cy="1273976"/>
           </a:xfrm>
           <a:prstGeom prst="rect">
             <a:avLst/>
@@ -3493,45 +3609,14 @@
           <p:nvPr/>
         </p:nvPicPr>
         <p:blipFill>
-          <a:blip r:embed="rId4"/>
+          <a:blip r:embed="rId5"/>
           <a:srcRect/>
           <a:stretch/>
         </p:blipFill>
         <p:spPr>
           <a:xfrm>
             <a:off x="3702374" y="3153147"/>
-            <a:ext cx="2528372" cy="3090232"/>
-          </a:xfrm>
-          <a:prstGeom prst="rect">
-            <a:avLst/>
-          </a:prstGeom>
-        </p:spPr>
-      </p:pic>
-      <p:pic>
-        <p:nvPicPr>
-          <p:cNvPr id="23" name="Picture 22" descr="A picture containing background pattern&#10;&#10;Description automatically generated">
-            <a:extLst>
-              <a:ext uri="{FF2B5EF4-FFF2-40B4-BE49-F238E27FC236}">
-                <a16:creationId xmlns:a16="http://schemas.microsoft.com/office/drawing/2014/main" id="{F07A0DB0-F711-8665-4B8F-DFC5FE086702}"/>
-              </a:ext>
-            </a:extLst>
-          </p:cNvPr>
-          <p:cNvPicPr>
-            <a:picLocks noChangeAspect="1"/>
-          </p:cNvPicPr>
-          <p:nvPr/>
-        </p:nvPicPr>
-        <p:blipFill rotWithShape="1">
-          <a:blip r:embed="rId5">
-            <a:alphaModFix/>
-          </a:blip>
-          <a:srcRect l="50719" t="44536" r="15486" b="16308"/>
-          <a:stretch/>
-        </p:blipFill>
-        <p:spPr>
-          <a:xfrm>
-            <a:off x="4134165" y="1824969"/>
-            <a:ext cx="1395311" cy="1212505"/>
+            <a:ext cx="2528371" cy="3090232"/>
           </a:xfrm>
           <a:prstGeom prst="rect">
             <a:avLst/>
@@ -4065,35 +4150,6 @@
           </a:p>
         </p:txBody>
       </p:sp>
-      <p:pic>
-        <p:nvPicPr>
-          <p:cNvPr id="3" name="Picture 2" descr="A picture containing background pattern&#10;&#10;Description automatically generated">
-            <a:extLst>
-              <a:ext uri="{FF2B5EF4-FFF2-40B4-BE49-F238E27FC236}">
-                <a16:creationId xmlns:a16="http://schemas.microsoft.com/office/drawing/2014/main" id="{692F8A4D-B2E6-6004-0A04-D5EB2CD25F74}"/>
-              </a:ext>
-            </a:extLst>
-          </p:cNvPr>
-          <p:cNvPicPr>
-            <a:picLocks noChangeAspect="1"/>
-          </p:cNvPicPr>
-          <p:nvPr/>
-        </p:nvPicPr>
-        <p:blipFill rotWithShape="1">
-          <a:blip r:embed="rId5"/>
-          <a:srcRect r="49850" b="60844"/>
-          <a:stretch/>
-        </p:blipFill>
-        <p:spPr>
-          <a:xfrm>
-            <a:off x="1893983" y="196168"/>
-            <a:ext cx="2175581" cy="1273976"/>
-          </a:xfrm>
-          <a:prstGeom prst="rect">
-            <a:avLst/>
-          </a:prstGeom>
-        </p:spPr>
-      </p:pic>
       <p:sp>
         <p:nvSpPr>
           <p:cNvPr id="5" name="TextBox 4">
@@ -4196,7 +4252,7 @@
         </p:nvSpPr>
         <p:spPr>
           <a:xfrm>
-            <a:off x="2135555" y="63488"/>
+            <a:off x="2159001" y="63488"/>
             <a:ext cx="1071635" cy="310534"/>
           </a:xfrm>
           <a:prstGeom prst="rect">
@@ -4376,7 +4432,7 @@
         </p:nvSpPr>
         <p:spPr>
           <a:xfrm>
-            <a:off x="2175884" y="241353"/>
+            <a:off x="2199330" y="241353"/>
             <a:ext cx="1024009" cy="279307"/>
           </a:xfrm>
           <a:prstGeom prst="rect">
@@ -4421,41 +4477,12 @@
         </p:nvGrpSpPr>
         <p:grpSpPr>
           <a:xfrm>
-            <a:off x="1914878" y="1564734"/>
-            <a:ext cx="2139747" cy="1413309"/>
-            <a:chOff x="4047275" y="63488"/>
-            <a:chExt cx="2139747" cy="1413309"/>
+            <a:off x="2112241" y="1564734"/>
+            <a:ext cx="1071635" cy="455360"/>
+            <a:chOff x="4244638" y="63488"/>
+            <a:chExt cx="1071635" cy="455360"/>
           </a:xfrm>
         </p:grpSpPr>
-        <p:pic>
-          <p:nvPicPr>
-            <p:cNvPr id="38" name="Picture 37" descr="A picture containing background pattern&#10;&#10;Description automatically generated">
-              <a:extLst>
-                <a:ext uri="{FF2B5EF4-FFF2-40B4-BE49-F238E27FC236}">
-                  <a16:creationId xmlns:a16="http://schemas.microsoft.com/office/drawing/2014/main" id="{0CCE7A5F-6F87-F600-4B1E-581BC591CC76}"/>
-                </a:ext>
-              </a:extLst>
-            </p:cNvPr>
-            <p:cNvPicPr>
-              <a:picLocks noChangeAspect="1"/>
-            </p:cNvPicPr>
-            <p:nvPr/>
-          </p:nvPicPr>
-          <p:blipFill rotWithShape="1">
-            <a:blip r:embed="rId5"/>
-            <a:srcRect l="50149" r="527" b="60844"/>
-            <a:stretch/>
-          </p:blipFill>
-          <p:spPr>
-            <a:xfrm>
-              <a:off x="4047275" y="202821"/>
-              <a:ext cx="2139747" cy="1273976"/>
-            </a:xfrm>
-            <a:prstGeom prst="rect">
-              <a:avLst/>
-            </a:prstGeom>
-          </p:spPr>
-        </p:pic>
         <p:sp>
           <p:nvSpPr>
             <p:cNvPr id="12" name="TextBox 11">
@@ -4606,41 +4633,12 @@
         </p:nvGrpSpPr>
         <p:grpSpPr>
           <a:xfrm>
-            <a:off x="4033829" y="59807"/>
-            <a:ext cx="2196917" cy="1491833"/>
-            <a:chOff x="1893983" y="1559828"/>
-            <a:chExt cx="2196917" cy="1491833"/>
+            <a:off x="4298847" y="59807"/>
+            <a:ext cx="1071635" cy="461344"/>
+            <a:chOff x="2159001" y="1559828"/>
+            <a:chExt cx="1071635" cy="461344"/>
           </a:xfrm>
         </p:grpSpPr>
-        <p:pic>
-          <p:nvPicPr>
-            <p:cNvPr id="21" name="Picture 20" descr="A picture containing background pattern&#10;&#10;Description automatically generated">
-              <a:extLst>
-                <a:ext uri="{FF2B5EF4-FFF2-40B4-BE49-F238E27FC236}">
-                  <a16:creationId xmlns:a16="http://schemas.microsoft.com/office/drawing/2014/main" id="{6F00A95D-7F19-67DC-9FFA-85499DF1C36D}"/>
-                </a:ext>
-              </a:extLst>
-            </p:cNvPr>
-            <p:cNvPicPr>
-              <a:picLocks noChangeAspect="1"/>
-            </p:cNvPicPr>
-            <p:nvPr/>
-          </p:nvPicPr>
-          <p:blipFill rotWithShape="1">
-            <a:blip r:embed="rId5"/>
-            <a:srcRect l="77" t="44536" r="49281" b="16308"/>
-            <a:stretch/>
-          </p:blipFill>
-          <p:spPr>
-            <a:xfrm>
-              <a:off x="1893983" y="1777685"/>
-              <a:ext cx="2196917" cy="1273976"/>
-            </a:xfrm>
-            <a:prstGeom prst="rect">
-              <a:avLst/>
-            </a:prstGeom>
-          </p:spPr>
-        </p:pic>
         <p:sp>
           <p:nvSpPr>
             <p:cNvPr id="13" name="TextBox 12">
@@ -4655,7 +4653,7 @@
           </p:nvSpPr>
           <p:spPr>
             <a:xfrm>
-              <a:off x="2135555" y="1559828"/>
+              <a:off x="2159001" y="1559828"/>
               <a:ext cx="1071635" cy="310534"/>
             </a:xfrm>
             <a:prstGeom prst="rect">
@@ -4700,7 +4698,7 @@
           </p:nvSpPr>
           <p:spPr>
             <a:xfrm>
-              <a:off x="2175883" y="1741865"/>
+              <a:off x="2199329" y="1741865"/>
               <a:ext cx="1024009" cy="279307"/>
             </a:xfrm>
             <a:prstGeom prst="rect">
@@ -4918,10 +4916,10 @@
       </p:pic>
       <p:pic>
         <p:nvPicPr>
-          <p:cNvPr id="31" name="Picture 30" descr="A picture containing background pattern&#10;&#10;Description automatically generated">
+          <p:cNvPr id="33" name="Picture 32" descr="A picture containing text, screenshot&#10;&#10;Description automatically generated">
             <a:extLst>
               <a:ext uri="{FF2B5EF4-FFF2-40B4-BE49-F238E27FC236}">
-                <a16:creationId xmlns:a16="http://schemas.microsoft.com/office/drawing/2014/main" id="{53C6969C-7E4F-9B24-F39A-4067A90B716D}"/>
+                <a16:creationId xmlns:a16="http://schemas.microsoft.com/office/drawing/2014/main" id="{74D795E8-DDD4-F007-765D-500330283733}"/>
               </a:ext>
             </a:extLst>
           </p:cNvPr>
@@ -4932,13 +4930,13 @@
         </p:nvPicPr>
         <p:blipFill rotWithShape="1">
           <a:blip r:embed="rId13"/>
-          <a:srcRect t="74420" r="-2680"/>
+          <a:srcRect l="4512" r="90290" b="35495"/>
           <a:stretch/>
         </p:blipFill>
         <p:spPr>
           <a:xfrm>
-            <a:off x="192136" y="5625885"/>
-            <a:ext cx="1789266" cy="486265"/>
+            <a:off x="1821225" y="3205006"/>
+            <a:ext cx="164150" cy="2222104"/>
           </a:xfrm>
           <a:prstGeom prst="rect">
             <a:avLst/>
@@ -4947,10 +4945,10 @@
       </p:pic>
       <p:pic>
         <p:nvPicPr>
-          <p:cNvPr id="34" name="Picture 33" descr="A picture containing text&#10;&#10;Description automatically generated">
+          <p:cNvPr id="43" name="Picture 42">
             <a:extLst>
               <a:ext uri="{FF2B5EF4-FFF2-40B4-BE49-F238E27FC236}">
-                <a16:creationId xmlns:a16="http://schemas.microsoft.com/office/drawing/2014/main" id="{C569F810-48CB-A7D8-F7E6-9FDEE8BC7418}"/>
+                <a16:creationId xmlns:a16="http://schemas.microsoft.com/office/drawing/2014/main" id="{6AD81518-74F1-3018-D2B6-DC9A56CF747D}"/>
               </a:ext>
             </a:extLst>
           </p:cNvPr>
@@ -4961,42 +4959,13 @@
         </p:nvPicPr>
         <p:blipFill rotWithShape="1">
           <a:blip r:embed="rId14"/>
-          <a:srcRect l="369" r="48047" b="27585"/>
+          <a:srcRect l="7415" t="68723" r="7155" b="-1268"/>
           <a:stretch/>
         </p:blipFill>
         <p:spPr>
           <a:xfrm>
-            <a:off x="134517" y="3140031"/>
-            <a:ext cx="1636686" cy="2297634"/>
-          </a:xfrm>
-          <a:prstGeom prst="rect">
-            <a:avLst/>
-          </a:prstGeom>
-        </p:spPr>
-      </p:pic>
-      <p:pic>
-        <p:nvPicPr>
-          <p:cNvPr id="36" name="Picture 35" descr="Background pattern&#10;&#10;Description automatically generated">
-            <a:extLst>
-              <a:ext uri="{FF2B5EF4-FFF2-40B4-BE49-F238E27FC236}">
-                <a16:creationId xmlns:a16="http://schemas.microsoft.com/office/drawing/2014/main" id="{4D90D320-A21B-D245-E810-0C2B260AD1DE}"/>
-              </a:ext>
-            </a:extLst>
-          </p:cNvPr>
-          <p:cNvPicPr>
-            <a:picLocks noChangeAspect="1"/>
-          </p:cNvPicPr>
-          <p:nvPr/>
-        </p:nvPicPr>
-        <p:blipFill rotWithShape="1">
-          <a:blip r:embed="rId15"/>
-          <a:srcRect t="88248" r="73079"/>
-          <a:stretch/>
-        </p:blipFill>
-        <p:spPr>
-          <a:xfrm>
-            <a:off x="3043560" y="1486861"/>
-            <a:ext cx="1358287" cy="444705"/>
+            <a:off x="165938" y="5533294"/>
+            <a:ext cx="1864494" cy="710085"/>
           </a:xfrm>
           <a:prstGeom prst="rect">
             <a:avLst/>
